--- a/Meeting/Presentation_0914.pptx
+++ b/Meeting/Presentation_0914.pptx
@@ -5,7 +5,7 @@
     <p:sldMasterId id="2147483648" r:id="rId1"/>
   </p:sldMasterIdLst>
   <p:notesMasterIdLst>
-    <p:notesMasterId r:id="rId27"/>
+    <p:notesMasterId r:id="rId30"/>
   </p:notesMasterIdLst>
   <p:sldIdLst>
     <p:sldId id="256" r:id="rId2"/>
@@ -24,15 +24,18 @@
     <p:sldId id="365" r:id="rId15"/>
     <p:sldId id="374" r:id="rId16"/>
     <p:sldId id="367" r:id="rId17"/>
-    <p:sldId id="356" r:id="rId18"/>
-    <p:sldId id="312" r:id="rId19"/>
-    <p:sldId id="320" r:id="rId20"/>
-    <p:sldId id="363" r:id="rId21"/>
-    <p:sldId id="371" r:id="rId22"/>
-    <p:sldId id="370" r:id="rId23"/>
-    <p:sldId id="353" r:id="rId24"/>
-    <p:sldId id="324" r:id="rId25"/>
-    <p:sldId id="339" r:id="rId26"/>
+    <p:sldId id="376" r:id="rId18"/>
+    <p:sldId id="377" r:id="rId19"/>
+    <p:sldId id="378" r:id="rId20"/>
+    <p:sldId id="356" r:id="rId21"/>
+    <p:sldId id="312" r:id="rId22"/>
+    <p:sldId id="320" r:id="rId23"/>
+    <p:sldId id="363" r:id="rId24"/>
+    <p:sldId id="371" r:id="rId25"/>
+    <p:sldId id="370" r:id="rId26"/>
+    <p:sldId id="353" r:id="rId27"/>
+    <p:sldId id="324" r:id="rId28"/>
+    <p:sldId id="339" r:id="rId29"/>
   </p:sldIdLst>
   <p:sldSz cx="12192000" cy="6858000"/>
   <p:notesSz cx="6858000" cy="9144000"/>
@@ -221,7 +224,7 @@
           <a:p>
             <a:fld id="{FD5F46E7-AC74-B24A-8D7A-61E847F3340B}" type="datetimeFigureOut">
               <a:rPr lang="en-TW" smtClean="0"/>
-              <a:t>2023/9/12</a:t>
+              <a:t>2023/9/14</a:t>
             </a:fld>
             <a:endParaRPr lang="en-TW"/>
           </a:p>
@@ -977,7 +980,7 @@
           <a:p>
             <a:fld id="{50B9CB7D-C514-3544-A72A-E200086B53CC}" type="slidenum">
               <a:rPr lang="en-TW" smtClean="0"/>
-              <a:t>18</a:t>
+              <a:t>17</a:t>
             </a:fld>
             <a:endParaRPr lang="en-TW"/>
           </a:p>
@@ -986,7 +989,7 @@
     </p:spTree>
     <p:extLst>
       <p:ext uri="{BB962C8B-B14F-4D97-AF65-F5344CB8AC3E}">
-        <p14:creationId xmlns:p14="http://schemas.microsoft.com/office/powerpoint/2010/main" val="905481662"/>
+        <p14:creationId xmlns:p14="http://schemas.microsoft.com/office/powerpoint/2010/main" val="523891994"/>
       </p:ext>
     </p:extLst>
   </p:cSld>
@@ -1061,7 +1064,7 @@
           <a:p>
             <a:fld id="{50B9CB7D-C514-3544-A72A-E200086B53CC}" type="slidenum">
               <a:rPr lang="en-TW" smtClean="0"/>
-              <a:t>21</a:t>
+              <a:t>18</a:t>
             </a:fld>
             <a:endParaRPr lang="en-TW"/>
           </a:p>
@@ -1070,7 +1073,7 @@
     </p:spTree>
     <p:extLst>
       <p:ext uri="{BB962C8B-B14F-4D97-AF65-F5344CB8AC3E}">
-        <p14:creationId xmlns:p14="http://schemas.microsoft.com/office/powerpoint/2010/main" val="1904307692"/>
+        <p14:creationId xmlns:p14="http://schemas.microsoft.com/office/powerpoint/2010/main" val="3363287896"/>
       </p:ext>
     </p:extLst>
   </p:cSld>
@@ -1145,7 +1148,7 @@
           <a:p>
             <a:fld id="{50B9CB7D-C514-3544-A72A-E200086B53CC}" type="slidenum">
               <a:rPr lang="en-TW" smtClean="0"/>
-              <a:t>22</a:t>
+              <a:t>19</a:t>
             </a:fld>
             <a:endParaRPr lang="en-TW"/>
           </a:p>
@@ -1154,7 +1157,7 @@
     </p:spTree>
     <p:extLst>
       <p:ext uri="{BB962C8B-B14F-4D97-AF65-F5344CB8AC3E}">
-        <p14:creationId xmlns:p14="http://schemas.microsoft.com/office/powerpoint/2010/main" val="2452282670"/>
+        <p14:creationId xmlns:p14="http://schemas.microsoft.com/office/powerpoint/2010/main" val="3830653863"/>
       </p:ext>
     </p:extLst>
   </p:cSld>
@@ -1229,6 +1232,90 @@
           <a:p>
             <a:fld id="{50B9CB7D-C514-3544-A72A-E200086B53CC}" type="slidenum">
               <a:rPr lang="en-TW" smtClean="0"/>
+              <a:t>21</a:t>
+            </a:fld>
+            <a:endParaRPr lang="en-TW"/>
+          </a:p>
+        </p:txBody>
+      </p:sp>
+    </p:spTree>
+    <p:extLst>
+      <p:ext uri="{BB962C8B-B14F-4D97-AF65-F5344CB8AC3E}">
+        <p14:creationId xmlns:p14="http://schemas.microsoft.com/office/powerpoint/2010/main" val="905481662"/>
+      </p:ext>
+    </p:extLst>
+  </p:cSld>
+  <p:clrMapOvr>
+    <a:masterClrMapping/>
+  </p:clrMapOvr>
+</p:notes>
+</file>
+
+<file path=ppt/notesSlides/notesSlide18.xml><?xml version="1.0" encoding="utf-8"?>
+<p:notes xmlns:a="http://schemas.openxmlformats.org/drawingml/2006/main" xmlns:r="http://schemas.openxmlformats.org/officeDocument/2006/relationships" xmlns:p="http://schemas.openxmlformats.org/presentationml/2006/main">
+  <p:cSld>
+    <p:spTree>
+      <p:nvGrpSpPr>
+        <p:cNvPr id="1" name=""/>
+        <p:cNvGrpSpPr/>
+        <p:nvPr/>
+      </p:nvGrpSpPr>
+      <p:grpSpPr>
+        <a:xfrm>
+          <a:off x="0" y="0"/>
+          <a:ext cx="0" cy="0"/>
+          <a:chOff x="0" y="0"/>
+          <a:chExt cx="0" cy="0"/>
+        </a:xfrm>
+      </p:grpSpPr>
+      <p:sp>
+        <p:nvSpPr>
+          <p:cNvPr id="2" name="Slide Image Placeholder 1"/>
+          <p:cNvSpPr>
+            <a:spLocks noGrp="1" noRot="1" noChangeAspect="1"/>
+          </p:cNvSpPr>
+          <p:nvPr>
+            <p:ph type="sldImg"/>
+          </p:nvPr>
+        </p:nvSpPr>
+        <p:spPr/>
+      </p:sp>
+      <p:sp>
+        <p:nvSpPr>
+          <p:cNvPr id="3" name="Notes Placeholder 2"/>
+          <p:cNvSpPr>
+            <a:spLocks noGrp="1"/>
+          </p:cNvSpPr>
+          <p:nvPr>
+            <p:ph type="body" idx="1"/>
+          </p:nvPr>
+        </p:nvSpPr>
+        <p:spPr/>
+        <p:txBody>
+          <a:bodyPr/>
+          <a:lstStyle/>
+          <a:p>
+            <a:endParaRPr lang="en-US" altLang="zh-TW" dirty="0"/>
+          </a:p>
+        </p:txBody>
+      </p:sp>
+      <p:sp>
+        <p:nvSpPr>
+          <p:cNvPr id="4" name="Slide Number Placeholder 3"/>
+          <p:cNvSpPr>
+            <a:spLocks noGrp="1"/>
+          </p:cNvSpPr>
+          <p:nvPr>
+            <p:ph type="sldNum" sz="quarter" idx="5"/>
+          </p:nvPr>
+        </p:nvSpPr>
+        <p:spPr/>
+        <p:txBody>
+          <a:bodyPr/>
+          <a:lstStyle/>
+          <a:p>
+            <a:fld id="{50B9CB7D-C514-3544-A72A-E200086B53CC}" type="slidenum">
+              <a:rPr lang="en-TW" smtClean="0"/>
               <a:t>24</a:t>
             </a:fld>
             <a:endParaRPr lang="en-TW"/>
@@ -1238,7 +1325,91 @@
     </p:spTree>
     <p:extLst>
       <p:ext uri="{BB962C8B-B14F-4D97-AF65-F5344CB8AC3E}">
-        <p14:creationId xmlns:p14="http://schemas.microsoft.com/office/powerpoint/2010/main" val="4114714957"/>
+        <p14:creationId xmlns:p14="http://schemas.microsoft.com/office/powerpoint/2010/main" val="1904307692"/>
+      </p:ext>
+    </p:extLst>
+  </p:cSld>
+  <p:clrMapOvr>
+    <a:masterClrMapping/>
+  </p:clrMapOvr>
+</p:notes>
+</file>
+
+<file path=ppt/notesSlides/notesSlide19.xml><?xml version="1.0" encoding="utf-8"?>
+<p:notes xmlns:a="http://schemas.openxmlformats.org/drawingml/2006/main" xmlns:r="http://schemas.openxmlformats.org/officeDocument/2006/relationships" xmlns:p="http://schemas.openxmlformats.org/presentationml/2006/main">
+  <p:cSld>
+    <p:spTree>
+      <p:nvGrpSpPr>
+        <p:cNvPr id="1" name=""/>
+        <p:cNvGrpSpPr/>
+        <p:nvPr/>
+      </p:nvGrpSpPr>
+      <p:grpSpPr>
+        <a:xfrm>
+          <a:off x="0" y="0"/>
+          <a:ext cx="0" cy="0"/>
+          <a:chOff x="0" y="0"/>
+          <a:chExt cx="0" cy="0"/>
+        </a:xfrm>
+      </p:grpSpPr>
+      <p:sp>
+        <p:nvSpPr>
+          <p:cNvPr id="2" name="Slide Image Placeholder 1"/>
+          <p:cNvSpPr>
+            <a:spLocks noGrp="1" noRot="1" noChangeAspect="1"/>
+          </p:cNvSpPr>
+          <p:nvPr>
+            <p:ph type="sldImg"/>
+          </p:nvPr>
+        </p:nvSpPr>
+        <p:spPr/>
+      </p:sp>
+      <p:sp>
+        <p:nvSpPr>
+          <p:cNvPr id="3" name="Notes Placeholder 2"/>
+          <p:cNvSpPr>
+            <a:spLocks noGrp="1"/>
+          </p:cNvSpPr>
+          <p:nvPr>
+            <p:ph type="body" idx="1"/>
+          </p:nvPr>
+        </p:nvSpPr>
+        <p:spPr/>
+        <p:txBody>
+          <a:bodyPr/>
+          <a:lstStyle/>
+          <a:p>
+            <a:endParaRPr lang="en-US" altLang="zh-TW" dirty="0"/>
+          </a:p>
+        </p:txBody>
+      </p:sp>
+      <p:sp>
+        <p:nvSpPr>
+          <p:cNvPr id="4" name="Slide Number Placeholder 3"/>
+          <p:cNvSpPr>
+            <a:spLocks noGrp="1"/>
+          </p:cNvSpPr>
+          <p:nvPr>
+            <p:ph type="sldNum" sz="quarter" idx="5"/>
+          </p:nvPr>
+        </p:nvSpPr>
+        <p:spPr/>
+        <p:txBody>
+          <a:bodyPr/>
+          <a:lstStyle/>
+          <a:p>
+            <a:fld id="{50B9CB7D-C514-3544-A72A-E200086B53CC}" type="slidenum">
+              <a:rPr lang="en-TW" smtClean="0"/>
+              <a:t>25</a:t>
+            </a:fld>
+            <a:endParaRPr lang="en-TW"/>
+          </a:p>
+        </p:txBody>
+      </p:sp>
+    </p:spTree>
+    <p:extLst>
+      <p:ext uri="{BB962C8B-B14F-4D97-AF65-F5344CB8AC3E}">
+        <p14:creationId xmlns:p14="http://schemas.microsoft.com/office/powerpoint/2010/main" val="2452282670"/>
       </p:ext>
     </p:extLst>
   </p:cSld>
@@ -1323,6 +1494,90 @@
     <p:extLst>
       <p:ext uri="{BB962C8B-B14F-4D97-AF65-F5344CB8AC3E}">
         <p14:creationId xmlns:p14="http://schemas.microsoft.com/office/powerpoint/2010/main" val="120131756"/>
+      </p:ext>
+    </p:extLst>
+  </p:cSld>
+  <p:clrMapOvr>
+    <a:masterClrMapping/>
+  </p:clrMapOvr>
+</p:notes>
+</file>
+
+<file path=ppt/notesSlides/notesSlide20.xml><?xml version="1.0" encoding="utf-8"?>
+<p:notes xmlns:a="http://schemas.openxmlformats.org/drawingml/2006/main" xmlns:r="http://schemas.openxmlformats.org/officeDocument/2006/relationships" xmlns:p="http://schemas.openxmlformats.org/presentationml/2006/main">
+  <p:cSld>
+    <p:spTree>
+      <p:nvGrpSpPr>
+        <p:cNvPr id="1" name=""/>
+        <p:cNvGrpSpPr/>
+        <p:nvPr/>
+      </p:nvGrpSpPr>
+      <p:grpSpPr>
+        <a:xfrm>
+          <a:off x="0" y="0"/>
+          <a:ext cx="0" cy="0"/>
+          <a:chOff x="0" y="0"/>
+          <a:chExt cx="0" cy="0"/>
+        </a:xfrm>
+      </p:grpSpPr>
+      <p:sp>
+        <p:nvSpPr>
+          <p:cNvPr id="2" name="Slide Image Placeholder 1"/>
+          <p:cNvSpPr>
+            <a:spLocks noGrp="1" noRot="1" noChangeAspect="1"/>
+          </p:cNvSpPr>
+          <p:nvPr>
+            <p:ph type="sldImg"/>
+          </p:nvPr>
+        </p:nvSpPr>
+        <p:spPr/>
+      </p:sp>
+      <p:sp>
+        <p:nvSpPr>
+          <p:cNvPr id="3" name="Notes Placeholder 2"/>
+          <p:cNvSpPr>
+            <a:spLocks noGrp="1"/>
+          </p:cNvSpPr>
+          <p:nvPr>
+            <p:ph type="body" idx="1"/>
+          </p:nvPr>
+        </p:nvSpPr>
+        <p:spPr/>
+        <p:txBody>
+          <a:bodyPr/>
+          <a:lstStyle/>
+          <a:p>
+            <a:endParaRPr lang="en-US" altLang="zh-TW" dirty="0"/>
+          </a:p>
+        </p:txBody>
+      </p:sp>
+      <p:sp>
+        <p:nvSpPr>
+          <p:cNvPr id="4" name="Slide Number Placeholder 3"/>
+          <p:cNvSpPr>
+            <a:spLocks noGrp="1"/>
+          </p:cNvSpPr>
+          <p:nvPr>
+            <p:ph type="sldNum" sz="quarter" idx="5"/>
+          </p:nvPr>
+        </p:nvSpPr>
+        <p:spPr/>
+        <p:txBody>
+          <a:bodyPr/>
+          <a:lstStyle/>
+          <a:p>
+            <a:fld id="{50B9CB7D-C514-3544-A72A-E200086B53CC}" type="slidenum">
+              <a:rPr lang="en-TW" smtClean="0"/>
+              <a:t>27</a:t>
+            </a:fld>
+            <a:endParaRPr lang="en-TW"/>
+          </a:p>
+        </p:txBody>
+      </p:sp>
+    </p:spTree>
+    <p:extLst>
+      <p:ext uri="{BB962C8B-B14F-4D97-AF65-F5344CB8AC3E}">
+        <p14:creationId xmlns:p14="http://schemas.microsoft.com/office/powerpoint/2010/main" val="4114714957"/>
       </p:ext>
     </p:extLst>
   </p:cSld>
@@ -2741,7 +2996,7 @@
           <a:p>
             <a:fld id="{A3414EF8-F8EE-1948-B7F8-CDE2BA55EBA3}" type="datetime1">
               <a:rPr lang="en-US" smtClean="0"/>
-              <a:t>9/12/23</a:t>
+              <a:t>9/14/23</a:t>
             </a:fld>
             <a:endParaRPr lang="en-TW"/>
           </a:p>
@@ -2941,7 +3196,7 @@
           <a:p>
             <a:fld id="{A73D7AD7-2116-5A41-8EDE-6BB6E81970E0}" type="datetime1">
               <a:rPr lang="en-US" smtClean="0"/>
-              <a:t>9/12/23</a:t>
+              <a:t>9/14/23</a:t>
             </a:fld>
             <a:endParaRPr lang="en-TW"/>
           </a:p>
@@ -3151,7 +3406,7 @@
           <a:p>
             <a:fld id="{F8B54AFA-ACA5-D643-AFA2-7E457DD24DF7}" type="datetime1">
               <a:rPr lang="en-US" smtClean="0"/>
-              <a:t>9/12/23</a:t>
+              <a:t>9/14/23</a:t>
             </a:fld>
             <a:endParaRPr lang="en-TW"/>
           </a:p>
@@ -3351,7 +3606,7 @@
           <a:p>
             <a:fld id="{9D5A1D64-0D43-8343-8F3E-0CF7D359B229}" type="datetime1">
               <a:rPr lang="en-US" smtClean="0"/>
-              <a:t>9/12/23</a:t>
+              <a:t>9/14/23</a:t>
             </a:fld>
             <a:endParaRPr lang="en-TW"/>
           </a:p>
@@ -3627,7 +3882,7 @@
           <a:p>
             <a:fld id="{7AADA2B9-C19E-4847-96A2-4C98048AC6CB}" type="datetime1">
               <a:rPr lang="en-US" smtClean="0"/>
-              <a:t>9/12/23</a:t>
+              <a:t>9/14/23</a:t>
             </a:fld>
             <a:endParaRPr lang="en-TW"/>
           </a:p>
@@ -3895,7 +4150,7 @@
           <a:p>
             <a:fld id="{6B0934B1-02FE-FD4D-9B2E-AB7942E9D2EE}" type="datetime1">
               <a:rPr lang="en-US" smtClean="0"/>
-              <a:t>9/12/23</a:t>
+              <a:t>9/14/23</a:t>
             </a:fld>
             <a:endParaRPr lang="en-TW"/>
           </a:p>
@@ -4310,7 +4565,7 @@
           <a:p>
             <a:fld id="{3ECB55BE-0370-354B-B7DC-74287DCA0691}" type="datetime1">
               <a:rPr lang="en-US" smtClean="0"/>
-              <a:t>9/12/23</a:t>
+              <a:t>9/14/23</a:t>
             </a:fld>
             <a:endParaRPr lang="en-TW"/>
           </a:p>
@@ -4452,7 +4707,7 @@
           <a:p>
             <a:fld id="{39E9E947-CD42-C640-AA68-FF39D56394B9}" type="datetime1">
               <a:rPr lang="en-US" smtClean="0"/>
-              <a:t>9/12/23</a:t>
+              <a:t>9/14/23</a:t>
             </a:fld>
             <a:endParaRPr lang="en-TW"/>
           </a:p>
@@ -4565,7 +4820,7 @@
           <a:p>
             <a:fld id="{B3588767-BFAB-074B-897C-98257EF1C28A}" type="datetime1">
               <a:rPr lang="en-US" smtClean="0"/>
-              <a:t>9/12/23</a:t>
+              <a:t>9/14/23</a:t>
             </a:fld>
             <a:endParaRPr lang="en-TW"/>
           </a:p>
@@ -4878,7 +5133,7 @@
           <a:p>
             <a:fld id="{B6DC1063-3940-FF48-A04A-958D086D794C}" type="datetime1">
               <a:rPr lang="en-US" smtClean="0"/>
-              <a:t>9/12/23</a:t>
+              <a:t>9/14/23</a:t>
             </a:fld>
             <a:endParaRPr lang="en-TW"/>
           </a:p>
@@ -5167,7 +5422,7 @@
           <a:p>
             <a:fld id="{DDCCE3AD-49F2-434D-BD1B-37AEE374DAF5}" type="datetime1">
               <a:rPr lang="en-US" smtClean="0"/>
-              <a:t>9/12/23</a:t>
+              <a:t>9/14/23</a:t>
             </a:fld>
             <a:endParaRPr lang="en-TW"/>
           </a:p>
@@ -5410,7 +5665,7 @@
           <a:p>
             <a:fld id="{C44A6C80-6E0D-374C-9F82-A170BB459CEA}" type="datetime1">
               <a:rPr lang="en-US" smtClean="0"/>
-              <a:t>9/12/23</a:t>
+              <a:t>9/14/23</a:t>
             </a:fld>
             <a:endParaRPr lang="en-TW"/>
           </a:p>
@@ -6274,7 +6529,7 @@
         <p:spPr>
           <a:xfrm>
             <a:off x="683430" y="4921958"/>
-            <a:ext cx="10201382" cy="1169551"/>
+            <a:ext cx="10523586" cy="1169551"/>
           </a:xfrm>
           <a:prstGeom prst="rect">
             <a:avLst/>
@@ -6403,10 +6658,17 @@
               <a:t>lstm</a:t>
             </a:r>
             <a:r>
+              <a:rPr lang="zh-TW" altLang="en-US" sz="1600" b="1" dirty="0">
+                <a:effectLst/>
+                <a:sym typeface="Wingdings" pitchFamily="2" charset="2"/>
+              </a:rPr>
+              <a:t> </a:t>
+            </a:r>
+            <a:r>
               <a:rPr lang="en-US" sz="1600" dirty="0">
                 <a:sym typeface="Wingdings" pitchFamily="2" charset="2"/>
               </a:rPr>
-              <a:t> is the best but take 5 times of the time in training</a:t>
+              <a:t>is the best but take 5 times of the time in training</a:t>
             </a:r>
             <a:endParaRPr lang="en-US" sz="1600" dirty="0">
               <a:effectLst/>
@@ -7715,8 +7977,8 @@
         </p:nvSpPr>
         <p:spPr>
           <a:xfrm>
-            <a:off x="557160" y="3537606"/>
-            <a:ext cx="10665178" cy="1938992"/>
+            <a:off x="557160" y="3620733"/>
+            <a:ext cx="10665178" cy="830997"/>
           </a:xfrm>
           <a:prstGeom prst="rect">
             <a:avLst/>
@@ -7735,7 +7997,7 @@
             </a:pPr>
             <a:r>
               <a:rPr lang="en-US" sz="2400" dirty="0"/>
-              <a:t>Difficulty:</a:t>
+              <a:t>Current Difficulty:</a:t>
             </a:r>
           </a:p>
           <a:p>
@@ -7747,34 +8009,6 @@
               <a:rPr lang="en-US" sz="2400" dirty="0"/>
               <a:t>Format of the dataset</a:t>
             </a:r>
-          </a:p>
-          <a:p>
-            <a:pPr marL="914400" lvl="1" indent="-457200">
-              <a:buFont typeface="+mj-lt"/>
-              <a:buAutoNum type="arabicPeriod"/>
-            </a:pPr>
-            <a:r>
-              <a:rPr lang="en-US" sz="2400" dirty="0"/>
-              <a:t>Where to concatenate the nodes and the edges</a:t>
-            </a:r>
-          </a:p>
-          <a:p>
-            <a:pPr marL="914400" lvl="1" indent="-457200">
-              <a:buFont typeface="+mj-lt"/>
-              <a:buAutoNum type="arabicPeriod"/>
-            </a:pPr>
-            <a:r>
-              <a:rPr lang="en-US" sz="2400" dirty="0"/>
-              <a:t>Train the MLP afterward or use it in the same training loop</a:t>
-            </a:r>
-            <a:endParaRPr lang="en-TW" sz="2400" dirty="0"/>
-          </a:p>
-          <a:p>
-            <a:pPr marL="457200" indent="-457200">
-              <a:buFont typeface="+mj-lt"/>
-              <a:buAutoNum type="arabicPeriod"/>
-            </a:pPr>
-            <a:endParaRPr lang="en-TW" sz="2400" dirty="0"/>
           </a:p>
         </p:txBody>
       </p:sp>
@@ -8027,7 +8261,7 @@
         <p:spPr>
           <a:xfrm>
             <a:off x="563911" y="5327400"/>
-            <a:ext cx="8046690" cy="646331"/>
+            <a:ext cx="4841518" cy="646331"/>
           </a:xfrm>
           <a:prstGeom prst="rect">
             <a:avLst/>
@@ -8051,18 +8285,6 @@
             <a:r>
               <a:rPr lang="en-TW" b="1" dirty="0"/>
               <a:t>edge classification</a:t>
-            </a:r>
-            <a:r>
-              <a:rPr lang="en-TW" dirty="0"/>
-              <a:t>, which is </a:t>
-            </a:r>
-            <a:r>
-              <a:rPr lang="en-TW" b="1" dirty="0"/>
-              <a:t>multi-label</a:t>
-            </a:r>
-            <a:r>
-              <a:rPr lang="en-TW" dirty="0"/>
-              <a:t> classification</a:t>
             </a:r>
           </a:p>
           <a:p>
@@ -8138,7 +8360,7 @@
         <p:spPr>
           <a:xfrm>
             <a:off x="563911" y="5973731"/>
-            <a:ext cx="5081904" cy="369332"/>
+            <a:ext cx="7600992" cy="369332"/>
           </a:xfrm>
           <a:prstGeom prst="rect">
             <a:avLst/>
@@ -8173,13 +8395,13 @@
               <a:t></a:t>
             </a:r>
             <a:r>
-              <a:rPr lang="en-TW" dirty="0">
+              <a:rPr lang="en-US" dirty="0">
                 <a:solidFill>
                   <a:srgbClr val="FF0000"/>
                 </a:solidFill>
                 <a:sym typeface="Wingdings" pitchFamily="2" charset="2"/>
               </a:rPr>
-              <a:t> some tensor error</a:t>
+              <a:t> # of labels of each data(graph) are different</a:t>
             </a:r>
             <a:endParaRPr lang="en-TW" dirty="0">
               <a:solidFill>
@@ -8236,35 +8458,30 @@
           <p:cNvPr id="2" name="Title 1">
             <a:extLst>
               <a:ext uri="{FF2B5EF4-FFF2-40B4-BE49-F238E27FC236}">
-                <a16:creationId xmlns:a16="http://schemas.microsoft.com/office/drawing/2014/main" id="{2D1F1D5D-BC21-FE6C-199A-114DD8A93B70}"/>
-              </a:ext>
-            </a:extLst>
-          </p:cNvPr>
-          <p:cNvSpPr>
-            <a:spLocks noGrp="1"/>
-          </p:cNvSpPr>
-          <p:nvPr>
-            <p:ph type="ctrTitle"/>
+                <a16:creationId xmlns:a16="http://schemas.microsoft.com/office/drawing/2014/main" id="{2B533BED-E48C-5E7F-2273-C55CCE98516B}"/>
+              </a:ext>
+            </a:extLst>
+          </p:cNvPr>
+          <p:cNvSpPr>
+            <a:spLocks noGrp="1"/>
+          </p:cNvSpPr>
+          <p:nvPr>
+            <p:ph type="title"/>
           </p:nvPr>
         </p:nvSpPr>
         <p:spPr>
           <a:xfrm>
-            <a:off x="1524000" y="1566037"/>
-            <a:ext cx="9144000" cy="2387600"/>
+            <a:off x="366079" y="273051"/>
+            <a:ext cx="10515600" cy="1325563"/>
           </a:xfrm>
         </p:spPr>
         <p:txBody>
           <a:bodyPr/>
           <a:lstStyle/>
           <a:p>
-            <a:pPr>
-              <a:lnSpc>
-                <a:spcPct val="110000"/>
-              </a:lnSpc>
-            </a:pPr>
             <a:r>
               <a:rPr lang="en-TW" b="1" dirty="0"/>
-              <a:t>Future Work</a:t>
+              <a:t>Official Edge Classification Sample of DGL</a:t>
             </a:r>
           </a:p>
         </p:txBody>
@@ -8274,7 +8491,7 @@
           <p:cNvPr id="4" name="Slide Number Placeholder 3">
             <a:extLst>
               <a:ext uri="{FF2B5EF4-FFF2-40B4-BE49-F238E27FC236}">
-                <a16:creationId xmlns:a16="http://schemas.microsoft.com/office/drawing/2014/main" id="{2BC4D631-FD05-0882-9331-7401BF92027E}"/>
+                <a16:creationId xmlns:a16="http://schemas.microsoft.com/office/drawing/2014/main" id="{5CD44B9F-7DE8-0932-BD70-B0BA453E653B}"/>
               </a:ext>
             </a:extLst>
           </p:cNvPr>
@@ -8294,14 +8511,74 @@
               <a:rPr lang="en-TW" smtClean="0"/>
               <a:t>17</a:t>
             </a:fld>
-            <a:endParaRPr lang="en-TW"/>
-          </a:p>
-        </p:txBody>
-      </p:sp>
+            <a:endParaRPr lang="en-TW" dirty="0"/>
+          </a:p>
+        </p:txBody>
+      </p:sp>
+      <p:pic>
+        <p:nvPicPr>
+          <p:cNvPr id="9" name="Picture 8">
+            <a:extLst>
+              <a:ext uri="{FF2B5EF4-FFF2-40B4-BE49-F238E27FC236}">
+                <a16:creationId xmlns:a16="http://schemas.microsoft.com/office/drawing/2014/main" id="{EEC6F896-DB08-C435-4C5F-B88D91A4CAEC}"/>
+              </a:ext>
+            </a:extLst>
+          </p:cNvPr>
+          <p:cNvPicPr>
+            <a:picLocks noChangeAspect="1"/>
+          </p:cNvPicPr>
+          <p:nvPr/>
+        </p:nvPicPr>
+        <p:blipFill>
+          <a:blip r:embed="rId3"/>
+          <a:stretch>
+            <a:fillRect/>
+          </a:stretch>
+        </p:blipFill>
+        <p:spPr>
+          <a:xfrm>
+            <a:off x="656284" y="1594998"/>
+            <a:ext cx="6833399" cy="1966850"/>
+          </a:xfrm>
+          <a:prstGeom prst="rect">
+            <a:avLst/>
+          </a:prstGeom>
+        </p:spPr>
+      </p:pic>
+      <p:pic>
+        <p:nvPicPr>
+          <p:cNvPr id="10" name="Picture 9">
+            <a:extLst>
+              <a:ext uri="{FF2B5EF4-FFF2-40B4-BE49-F238E27FC236}">
+                <a16:creationId xmlns:a16="http://schemas.microsoft.com/office/drawing/2014/main" id="{E8A1A125-9E50-BA1B-2FA0-86DA285D1B03}"/>
+              </a:ext>
+            </a:extLst>
+          </p:cNvPr>
+          <p:cNvPicPr>
+            <a:picLocks noChangeAspect="1"/>
+          </p:cNvPicPr>
+          <p:nvPr/>
+        </p:nvPicPr>
+        <p:blipFill>
+          <a:blip r:embed="rId4"/>
+          <a:stretch>
+            <a:fillRect/>
+          </a:stretch>
+        </p:blipFill>
+        <p:spPr>
+          <a:xfrm>
+            <a:off x="656285" y="3773899"/>
+            <a:ext cx="6833399" cy="2582451"/>
+          </a:xfrm>
+          <a:prstGeom prst="rect">
+            <a:avLst/>
+          </a:prstGeom>
+        </p:spPr>
+      </p:pic>
     </p:spTree>
     <p:extLst>
       <p:ext uri="{BB962C8B-B14F-4D97-AF65-F5344CB8AC3E}">
-        <p14:creationId xmlns:p14="http://schemas.microsoft.com/office/powerpoint/2010/main" val="2403544732"/>
+        <p14:creationId xmlns:p14="http://schemas.microsoft.com/office/powerpoint/2010/main" val="2337243644"/>
       </p:ext>
     </p:extLst>
   </p:cSld>
@@ -8358,7 +8635,7 @@
         </p:nvSpPr>
         <p:spPr>
           <a:xfrm>
-            <a:off x="374904" y="319088"/>
+            <a:off x="366079" y="273051"/>
             <a:ext cx="10515600" cy="1325563"/>
           </a:xfrm>
         </p:spPr>
@@ -8368,114 +8645,8 @@
           <a:p>
             <a:r>
               <a:rPr lang="en-TW" b="1" dirty="0"/>
-              <a:t>Future Work</a:t>
-            </a:r>
-          </a:p>
-        </p:txBody>
-      </p:sp>
-      <p:sp>
-        <p:nvSpPr>
-          <p:cNvPr id="3" name="Content Placeholder 2">
-            <a:extLst>
-              <a:ext uri="{FF2B5EF4-FFF2-40B4-BE49-F238E27FC236}">
-                <a16:creationId xmlns:a16="http://schemas.microsoft.com/office/drawing/2014/main" id="{25B0A74B-6281-327F-44E6-1E41A778AF7E}"/>
-              </a:ext>
-            </a:extLst>
-          </p:cNvPr>
-          <p:cNvSpPr>
-            <a:spLocks noGrp="1"/>
-          </p:cNvSpPr>
-          <p:nvPr>
-            <p:ph idx="1"/>
-          </p:nvPr>
-        </p:nvSpPr>
-        <p:spPr>
-          <a:xfrm>
-            <a:off x="695678" y="1706032"/>
-            <a:ext cx="10800644" cy="4832880"/>
-          </a:xfrm>
-        </p:spPr>
-        <p:txBody>
-          <a:bodyPr>
-            <a:normAutofit/>
-          </a:bodyPr>
-          <a:lstStyle/>
-          <a:p>
-            <a:pPr>
-              <a:lnSpc>
-                <a:spcPct val="110000"/>
-              </a:lnSpc>
-            </a:pPr>
-            <a:r>
-              <a:rPr lang="en-TW" b="1" dirty="0"/>
-              <a:t>GNN</a:t>
-            </a:r>
-          </a:p>
-          <a:p>
-            <a:pPr lvl="1">
-              <a:lnSpc>
-                <a:spcPct val="110000"/>
-              </a:lnSpc>
-            </a:pPr>
-            <a:r>
-              <a:rPr lang="en-TW" dirty="0"/>
-              <a:t>Successfully</a:t>
-            </a:r>
-            <a:r>
-              <a:rPr lang="zh-TW" altLang="en-US" dirty="0"/>
-              <a:t> </a:t>
-            </a:r>
-            <a:r>
-              <a:rPr lang="en-US" altLang="zh-TW" dirty="0"/>
-              <a:t>r</a:t>
-            </a:r>
-            <a:r>
-              <a:rPr lang="en-TW" dirty="0"/>
-              <a:t>un the experiment 3 </a:t>
-            </a:r>
-          </a:p>
-          <a:p>
-            <a:pPr lvl="1">
-              <a:lnSpc>
-                <a:spcPct val="110000"/>
-              </a:lnSpc>
-            </a:pPr>
-            <a:r>
-              <a:rPr lang="en-TW" dirty="0"/>
-              <a:t>Try GCN or different architecture of the model</a:t>
-            </a:r>
-          </a:p>
-          <a:p>
-            <a:pPr lvl="1">
-              <a:lnSpc>
-                <a:spcPct val="110000"/>
-              </a:lnSpc>
-            </a:pPr>
-            <a:r>
-              <a:rPr lang="en-US" dirty="0"/>
-              <a:t>I</a:t>
-            </a:r>
-            <a:r>
-              <a:rPr lang="en-TW" dirty="0"/>
-              <a:t>mprove t</a:t>
-            </a:r>
-            <a:r>
-              <a:rPr lang="en-US" dirty="0"/>
-              <a:t>he</a:t>
-            </a:r>
-            <a:r>
-              <a:rPr lang="en-TW" dirty="0"/>
-              <a:t> performance of the model (if available)</a:t>
-            </a:r>
-          </a:p>
-          <a:p>
-            <a:pPr marL="0" indent="0">
-              <a:lnSpc>
-                <a:spcPct val="110000"/>
-              </a:lnSpc>
-              <a:buNone/>
-            </a:pPr>
-            <a:endParaRPr lang="en-TW" dirty="0"/>
+              <a:t>Official Edge Classification Sample of DGL</a:t>
+            </a:r>
           </a:p>
         </p:txBody>
       </p:sp>
@@ -8504,14 +8675,74 @@
               <a:rPr lang="en-TW" smtClean="0"/>
               <a:t>18</a:t>
             </a:fld>
-            <a:endParaRPr lang="en-TW"/>
-          </a:p>
-        </p:txBody>
-      </p:sp>
+            <a:endParaRPr lang="en-TW" dirty="0"/>
+          </a:p>
+        </p:txBody>
+      </p:sp>
+      <p:pic>
+        <p:nvPicPr>
+          <p:cNvPr id="11" name="Picture 10">
+            <a:extLst>
+              <a:ext uri="{FF2B5EF4-FFF2-40B4-BE49-F238E27FC236}">
+                <a16:creationId xmlns:a16="http://schemas.microsoft.com/office/drawing/2014/main" id="{F55B8157-A342-D7C6-04B9-A85941A375AF}"/>
+              </a:ext>
+            </a:extLst>
+          </p:cNvPr>
+          <p:cNvPicPr>
+            <a:picLocks noChangeAspect="1"/>
+          </p:cNvPicPr>
+          <p:nvPr/>
+        </p:nvPicPr>
+        <p:blipFill>
+          <a:blip r:embed="rId3"/>
+          <a:stretch>
+            <a:fillRect/>
+          </a:stretch>
+        </p:blipFill>
+        <p:spPr>
+          <a:xfrm>
+            <a:off x="694778" y="4215734"/>
+            <a:ext cx="7915822" cy="2140616"/>
+          </a:xfrm>
+          <a:prstGeom prst="rect">
+            <a:avLst/>
+          </a:prstGeom>
+        </p:spPr>
+      </p:pic>
+      <p:pic>
+        <p:nvPicPr>
+          <p:cNvPr id="12" name="Picture 11">
+            <a:extLst>
+              <a:ext uri="{FF2B5EF4-FFF2-40B4-BE49-F238E27FC236}">
+                <a16:creationId xmlns:a16="http://schemas.microsoft.com/office/drawing/2014/main" id="{09C5604C-A03A-F42B-95BE-C0E5DA0F6C62}"/>
+              </a:ext>
+            </a:extLst>
+          </p:cNvPr>
+          <p:cNvPicPr>
+            <a:picLocks noChangeAspect="1"/>
+          </p:cNvPicPr>
+          <p:nvPr/>
+        </p:nvPicPr>
+        <p:blipFill>
+          <a:blip r:embed="rId4"/>
+          <a:stretch>
+            <a:fillRect/>
+          </a:stretch>
+        </p:blipFill>
+        <p:spPr>
+          <a:xfrm>
+            <a:off x="694778" y="1767820"/>
+            <a:ext cx="6100469" cy="2220275"/>
+          </a:xfrm>
+          <a:prstGeom prst="rect">
+            <a:avLst/>
+          </a:prstGeom>
+        </p:spPr>
+      </p:pic>
     </p:spTree>
     <p:extLst>
       <p:ext uri="{BB962C8B-B14F-4D97-AF65-F5344CB8AC3E}">
-        <p14:creationId xmlns:p14="http://schemas.microsoft.com/office/powerpoint/2010/main" val="2421199054"/>
+        <p14:creationId xmlns:p14="http://schemas.microsoft.com/office/powerpoint/2010/main" val="2151749770"/>
       </p:ext>
     </p:extLst>
   </p:cSld>
@@ -8552,10 +8783,43 @@
       </p:grpSpPr>
       <p:sp>
         <p:nvSpPr>
+          <p:cNvPr id="2" name="Title 1">
+            <a:extLst>
+              <a:ext uri="{FF2B5EF4-FFF2-40B4-BE49-F238E27FC236}">
+                <a16:creationId xmlns:a16="http://schemas.microsoft.com/office/drawing/2014/main" id="{2B533BED-E48C-5E7F-2273-C55CCE98516B}"/>
+              </a:ext>
+            </a:extLst>
+          </p:cNvPr>
+          <p:cNvSpPr>
+            <a:spLocks noGrp="1"/>
+          </p:cNvSpPr>
+          <p:nvPr>
+            <p:ph type="title"/>
+          </p:nvPr>
+        </p:nvSpPr>
+        <p:spPr>
+          <a:xfrm>
+            <a:off x="366079" y="273051"/>
+            <a:ext cx="10515600" cy="1325563"/>
+          </a:xfrm>
+        </p:spPr>
+        <p:txBody>
+          <a:bodyPr/>
+          <a:lstStyle/>
+          <a:p>
+            <a:r>
+              <a:rPr lang="en-TW" b="1" dirty="0"/>
+              <a:t>Official Edge Classification Sample of DGL</a:t>
+            </a:r>
+          </a:p>
+        </p:txBody>
+      </p:sp>
+      <p:sp>
+        <p:nvSpPr>
           <p:cNvPr id="4" name="Slide Number Placeholder 3">
             <a:extLst>
               <a:ext uri="{FF2B5EF4-FFF2-40B4-BE49-F238E27FC236}">
-                <a16:creationId xmlns:a16="http://schemas.microsoft.com/office/drawing/2014/main" id="{2BC4D631-FD05-0882-9331-7401BF92027E}"/>
+                <a16:creationId xmlns:a16="http://schemas.microsoft.com/office/drawing/2014/main" id="{5CD44B9F-7DE8-0932-BD70-B0BA453E653B}"/>
               </a:ext>
             </a:extLst>
           </p:cNvPr>
@@ -8575,39 +8839,228 @@
               <a:rPr lang="en-TW" smtClean="0"/>
               <a:t>19</a:t>
             </a:fld>
-            <a:endParaRPr lang="en-TW"/>
-          </a:p>
-        </p:txBody>
-      </p:sp>
-      <p:sp>
-        <p:nvSpPr>
-          <p:cNvPr id="5" name="Title 4">
-            <a:extLst>
-              <a:ext uri="{FF2B5EF4-FFF2-40B4-BE49-F238E27FC236}">
-                <a16:creationId xmlns:a16="http://schemas.microsoft.com/office/drawing/2014/main" id="{FD89D94C-6796-FFAC-888D-5EC2B2407BC6}"/>
-              </a:ext>
-            </a:extLst>
-          </p:cNvPr>
-          <p:cNvSpPr>
-            <a:spLocks noGrp="1"/>
-          </p:cNvSpPr>
-          <p:nvPr>
-            <p:ph type="ctrTitle"/>
-          </p:nvPr>
+            <a:endParaRPr lang="en-TW" dirty="0"/>
+          </a:p>
+        </p:txBody>
+      </p:sp>
+      <p:sp>
+        <p:nvSpPr>
+          <p:cNvPr id="5" name="TextBox 4">
+            <a:extLst>
+              <a:ext uri="{FF2B5EF4-FFF2-40B4-BE49-F238E27FC236}">
+                <a16:creationId xmlns:a16="http://schemas.microsoft.com/office/drawing/2014/main" id="{A4E45737-9BA7-7B26-7EB8-207076AD2DBF}"/>
+              </a:ext>
+            </a:extLst>
+          </p:cNvPr>
+          <p:cNvSpPr txBox="1"/>
+          <p:nvPr/>
         </p:nvSpPr>
         <p:spPr>
           <a:xfrm>
-            <a:off x="1524000" y="1484970"/>
-            <a:ext cx="9144000" cy="2387600"/>
+            <a:off x="823467" y="5812223"/>
+            <a:ext cx="10665178" cy="461665"/>
           </a:xfrm>
+          <a:prstGeom prst="rect">
+            <a:avLst/>
+          </a:prstGeom>
+          <a:noFill/>
         </p:spPr>
         <p:txBody>
-          <a:bodyPr/>
-          <a:lstStyle/>
-          <a:p>
-            <a:r>
-              <a:rPr lang="en-TW" b="1" dirty="0"/>
-              <a:t>Thanks!!</a:t>
+          <a:bodyPr wrap="square" rtlCol="0">
+            <a:spAutoFit/>
+          </a:bodyPr>
+          <a:lstStyle/>
+          <a:p>
+            <a:pPr marL="342900" indent="-342900">
+              <a:buFont typeface="Arial" panose="020B0604020202020204" pitchFamily="34" charset="0"/>
+              <a:buChar char="•"/>
+            </a:pPr>
+            <a:r>
+              <a:rPr lang="en-US" sz="2400" dirty="0"/>
+              <a:t>The result seems to be not suitable for our task</a:t>
+            </a:r>
+          </a:p>
+        </p:txBody>
+      </p:sp>
+      <p:pic>
+        <p:nvPicPr>
+          <p:cNvPr id="7" name="Picture 6">
+            <a:extLst>
+              <a:ext uri="{FF2B5EF4-FFF2-40B4-BE49-F238E27FC236}">
+                <a16:creationId xmlns:a16="http://schemas.microsoft.com/office/drawing/2014/main" id="{43EA336B-35A4-0D8C-76C0-F5A05A9F1932}"/>
+              </a:ext>
+            </a:extLst>
+          </p:cNvPr>
+          <p:cNvPicPr>
+            <a:picLocks noChangeAspect="1"/>
+          </p:cNvPicPr>
+          <p:nvPr/>
+        </p:nvPicPr>
+        <p:blipFill>
+          <a:blip r:embed="rId3"/>
+          <a:stretch>
+            <a:fillRect/>
+          </a:stretch>
+        </p:blipFill>
+        <p:spPr>
+          <a:xfrm>
+            <a:off x="823467" y="1598614"/>
+            <a:ext cx="5272533" cy="3550743"/>
+          </a:xfrm>
+          <a:prstGeom prst="rect">
+            <a:avLst/>
+          </a:prstGeom>
+        </p:spPr>
+      </p:pic>
+      <p:pic>
+        <p:nvPicPr>
+          <p:cNvPr id="9" name="Picture 8">
+            <a:extLst>
+              <a:ext uri="{FF2B5EF4-FFF2-40B4-BE49-F238E27FC236}">
+                <a16:creationId xmlns:a16="http://schemas.microsoft.com/office/drawing/2014/main" id="{2513BD7A-FEA2-34B9-CEC8-2B2D934CA610}"/>
+              </a:ext>
+            </a:extLst>
+          </p:cNvPr>
+          <p:cNvPicPr>
+            <a:picLocks noChangeAspect="1"/>
+          </p:cNvPicPr>
+          <p:nvPr/>
+        </p:nvPicPr>
+        <p:blipFill rotWithShape="1">
+          <a:blip r:embed="rId4"/>
+          <a:srcRect l="1" r="1886" b="1834"/>
+          <a:stretch/>
+        </p:blipFill>
+        <p:spPr>
+          <a:xfrm>
+            <a:off x="8318957" y="1561528"/>
+            <a:ext cx="1631867" cy="3485601"/>
+          </a:xfrm>
+          <a:prstGeom prst="rect">
+            <a:avLst/>
+          </a:prstGeom>
+        </p:spPr>
+      </p:pic>
+      <p:sp>
+        <p:nvSpPr>
+          <p:cNvPr id="11" name="Left-Right Arrow 10">
+            <a:extLst>
+              <a:ext uri="{FF2B5EF4-FFF2-40B4-BE49-F238E27FC236}">
+                <a16:creationId xmlns:a16="http://schemas.microsoft.com/office/drawing/2014/main" id="{0411E483-F176-5A83-613C-ECE519061A4F}"/>
+              </a:ext>
+            </a:extLst>
+          </p:cNvPr>
+          <p:cNvSpPr/>
+          <p:nvPr/>
+        </p:nvSpPr>
+        <p:spPr>
+          <a:xfrm>
+            <a:off x="6373532" y="3136420"/>
+            <a:ext cx="1192306" cy="475130"/>
+          </a:xfrm>
+          <a:prstGeom prst="leftRightArrow">
+            <a:avLst/>
+          </a:prstGeom>
+        </p:spPr>
+        <p:style>
+          <a:lnRef idx="2">
+            <a:schemeClr val="dk1">
+              <a:shade val="15000"/>
+            </a:schemeClr>
+          </a:lnRef>
+          <a:fillRef idx="1">
+            <a:schemeClr val="dk1"/>
+          </a:fillRef>
+          <a:effectRef idx="0">
+            <a:schemeClr val="dk1"/>
+          </a:effectRef>
+          <a:fontRef idx="minor">
+            <a:schemeClr val="lt1"/>
+          </a:fontRef>
+        </p:style>
+        <p:txBody>
+          <a:bodyPr rtlCol="0" anchor="ctr"/>
+          <a:lstStyle/>
+          <a:p>
+            <a:pPr algn="ctr"/>
+            <a:endParaRPr lang="en-TW"/>
+          </a:p>
+        </p:txBody>
+      </p:sp>
+      <p:sp>
+        <p:nvSpPr>
+          <p:cNvPr id="12" name="TextBox 11">
+            <a:extLst>
+              <a:ext uri="{FF2B5EF4-FFF2-40B4-BE49-F238E27FC236}">
+                <a16:creationId xmlns:a16="http://schemas.microsoft.com/office/drawing/2014/main" id="{DD0D20D1-06C7-7870-64A4-3818D2C0BAB0}"/>
+              </a:ext>
+            </a:extLst>
+          </p:cNvPr>
+          <p:cNvSpPr txBox="1"/>
+          <p:nvPr/>
+        </p:nvSpPr>
+        <p:spPr>
+          <a:xfrm>
+            <a:off x="760714" y="5154470"/>
+            <a:ext cx="1821121" cy="307777"/>
+          </a:xfrm>
+          <a:prstGeom prst="rect">
+            <a:avLst/>
+          </a:prstGeom>
+          <a:noFill/>
+        </p:spPr>
+        <p:txBody>
+          <a:bodyPr wrap="square" rtlCol="0">
+            <a:spAutoFit/>
+          </a:bodyPr>
+          <a:lstStyle/>
+          <a:p>
+            <a:pPr marL="342900" indent="-342900">
+              <a:buFont typeface="Arial" panose="020B0604020202020204" pitchFamily="34" charset="0"/>
+              <a:buChar char="•"/>
+            </a:pPr>
+            <a:r>
+              <a:rPr lang="en-US" sz="1400" dirty="0"/>
+              <a:t>Shape: [500]</a:t>
+            </a:r>
+          </a:p>
+        </p:txBody>
+      </p:sp>
+      <p:sp>
+        <p:nvSpPr>
+          <p:cNvPr id="13" name="TextBox 12">
+            <a:extLst>
+              <a:ext uri="{FF2B5EF4-FFF2-40B4-BE49-F238E27FC236}">
+                <a16:creationId xmlns:a16="http://schemas.microsoft.com/office/drawing/2014/main" id="{CCF782FC-01EE-4B3E-34C9-A6E4821660D3}"/>
+              </a:ext>
+            </a:extLst>
+          </p:cNvPr>
+          <p:cNvSpPr txBox="1"/>
+          <p:nvPr/>
+        </p:nvSpPr>
+        <p:spPr>
+          <a:xfrm>
+            <a:off x="9505691" y="4841580"/>
+            <a:ext cx="1821121" cy="307777"/>
+          </a:xfrm>
+          <a:prstGeom prst="rect">
+            <a:avLst/>
+          </a:prstGeom>
+          <a:noFill/>
+        </p:spPr>
+        <p:txBody>
+          <a:bodyPr wrap="square" rtlCol="0">
+            <a:spAutoFit/>
+          </a:bodyPr>
+          <a:lstStyle/>
+          <a:p>
+            <a:pPr marL="342900" indent="-342900">
+              <a:buFont typeface="Arial" panose="020B0604020202020204" pitchFamily="34" charset="0"/>
+              <a:buChar char="•"/>
+            </a:pPr>
+            <a:r>
+              <a:rPr lang="en-US" sz="1400" dirty="0"/>
+              <a:t>Shape: [500, 1]</a:t>
             </a:r>
           </a:p>
         </p:txBody>
@@ -8615,7 +9068,7 @@
     </p:spTree>
     <p:extLst>
       <p:ext uri="{BB962C8B-B14F-4D97-AF65-F5344CB8AC3E}">
-        <p14:creationId xmlns:p14="http://schemas.microsoft.com/office/powerpoint/2010/main" val="2872018066"/>
+        <p14:creationId xmlns:p14="http://schemas.microsoft.com/office/powerpoint/2010/main" val="1791178748"/>
       </p:ext>
     </p:extLst>
   </p:cSld>
@@ -8857,6 +9310,44 @@
       </p:grpSpPr>
       <p:sp>
         <p:nvSpPr>
+          <p:cNvPr id="2" name="Title 1">
+            <a:extLst>
+              <a:ext uri="{FF2B5EF4-FFF2-40B4-BE49-F238E27FC236}">
+                <a16:creationId xmlns:a16="http://schemas.microsoft.com/office/drawing/2014/main" id="{2D1F1D5D-BC21-FE6C-199A-114DD8A93B70}"/>
+              </a:ext>
+            </a:extLst>
+          </p:cNvPr>
+          <p:cNvSpPr>
+            <a:spLocks noGrp="1"/>
+          </p:cNvSpPr>
+          <p:nvPr>
+            <p:ph type="ctrTitle"/>
+          </p:nvPr>
+        </p:nvSpPr>
+        <p:spPr>
+          <a:xfrm>
+            <a:off x="1524000" y="1566037"/>
+            <a:ext cx="9144000" cy="2387600"/>
+          </a:xfrm>
+        </p:spPr>
+        <p:txBody>
+          <a:bodyPr/>
+          <a:lstStyle/>
+          <a:p>
+            <a:pPr>
+              <a:lnSpc>
+                <a:spcPct val="110000"/>
+              </a:lnSpc>
+            </a:pPr>
+            <a:r>
+              <a:rPr lang="en-TW" b="1" dirty="0"/>
+              <a:t>Future Work</a:t>
+            </a:r>
+          </a:p>
+        </p:txBody>
+      </p:sp>
+      <p:sp>
+        <p:nvSpPr>
           <p:cNvPr id="4" name="Slide Number Placeholder 3">
             <a:extLst>
               <a:ext uri="{FF2B5EF4-FFF2-40B4-BE49-F238E27FC236}">
@@ -8884,43 +9375,10 @@
           </a:p>
         </p:txBody>
       </p:sp>
-      <p:sp>
-        <p:nvSpPr>
-          <p:cNvPr id="5" name="Title 4">
-            <a:extLst>
-              <a:ext uri="{FF2B5EF4-FFF2-40B4-BE49-F238E27FC236}">
-                <a16:creationId xmlns:a16="http://schemas.microsoft.com/office/drawing/2014/main" id="{FD89D94C-6796-FFAC-888D-5EC2B2407BC6}"/>
-              </a:ext>
-            </a:extLst>
-          </p:cNvPr>
-          <p:cNvSpPr>
-            <a:spLocks noGrp="1"/>
-          </p:cNvSpPr>
-          <p:nvPr>
-            <p:ph type="ctrTitle"/>
-          </p:nvPr>
-        </p:nvSpPr>
-        <p:spPr>
-          <a:xfrm>
-            <a:off x="1524000" y="1484970"/>
-            <a:ext cx="9144000" cy="2387600"/>
-          </a:xfrm>
-        </p:spPr>
-        <p:txBody>
-          <a:bodyPr/>
-          <a:lstStyle/>
-          <a:p>
-            <a:r>
-              <a:rPr lang="en-TW" b="1" dirty="0"/>
-              <a:t>Appendix</a:t>
-            </a:r>
-          </a:p>
-        </p:txBody>
-      </p:sp>
     </p:spTree>
     <p:extLst>
       <p:ext uri="{BB962C8B-B14F-4D97-AF65-F5344CB8AC3E}">
-        <p14:creationId xmlns:p14="http://schemas.microsoft.com/office/powerpoint/2010/main" val="2806617322"/>
+        <p14:creationId xmlns:p14="http://schemas.microsoft.com/office/powerpoint/2010/main" val="2403544732"/>
       </p:ext>
     </p:extLst>
   </p:cSld>
@@ -8977,7 +9435,7 @@
         </p:nvSpPr>
         <p:spPr>
           <a:xfrm>
-            <a:off x="374904" y="197907"/>
+            <a:off x="374904" y="319088"/>
             <a:ext cx="10515600" cy="1325563"/>
           </a:xfrm>
         </p:spPr>
@@ -8987,7 +9445,7 @@
           <a:p>
             <a:r>
               <a:rPr lang="en-TW" b="1" dirty="0"/>
-              <a:t>Useful Links</a:t>
+              <a:t>Future Work</a:t>
             </a:r>
           </a:p>
         </p:txBody>
@@ -9010,7 +9468,7 @@
         </p:nvSpPr>
         <p:spPr>
           <a:xfrm>
-            <a:off x="695678" y="1608814"/>
+            <a:off x="695678" y="1888595"/>
             <a:ext cx="10800644" cy="4832880"/>
           </a:xfrm>
         </p:spPr>
@@ -9019,6 +9477,63 @@
             <a:normAutofit/>
           </a:bodyPr>
           <a:lstStyle/>
+          <a:p>
+            <a:pPr>
+              <a:lnSpc>
+                <a:spcPct val="110000"/>
+              </a:lnSpc>
+            </a:pPr>
+            <a:r>
+              <a:rPr lang="en-TW" b="1" dirty="0"/>
+              <a:t>GNN</a:t>
+            </a:r>
+          </a:p>
+          <a:p>
+            <a:pPr lvl="1">
+              <a:lnSpc>
+                <a:spcPct val="110000"/>
+              </a:lnSpc>
+            </a:pPr>
+            <a:r>
+              <a:rPr lang="en-TW" dirty="0"/>
+              <a:t>Successfully</a:t>
+            </a:r>
+            <a:r>
+              <a:rPr lang="zh-TW" altLang="en-US" dirty="0"/>
+              <a:t> </a:t>
+            </a:r>
+            <a:r>
+              <a:rPr lang="en-US" altLang="zh-TW" dirty="0"/>
+              <a:t>r</a:t>
+            </a:r>
+            <a:r>
+              <a:rPr lang="en-TW" dirty="0"/>
+              <a:t>un the experiment 3 </a:t>
+            </a:r>
+          </a:p>
+          <a:p>
+            <a:pPr lvl="1">
+              <a:lnSpc>
+                <a:spcPct val="110000"/>
+              </a:lnSpc>
+            </a:pPr>
+            <a:r>
+              <a:rPr lang="en-US" dirty="0"/>
+              <a:t>I</a:t>
+            </a:r>
+            <a:r>
+              <a:rPr lang="en-TW" dirty="0"/>
+              <a:t>mprove t</a:t>
+            </a:r>
+            <a:r>
+              <a:rPr lang="en-US" dirty="0"/>
+              <a:t>he</a:t>
+            </a:r>
+            <a:r>
+              <a:rPr lang="en-TW" dirty="0"/>
+              <a:t> performance of the model (if available)</a:t>
+            </a:r>
+          </a:p>
           <a:p>
             <a:pPr marL="0" indent="0">
               <a:lnSpc>
@@ -9026,124 +9541,7 @@
               </a:lnSpc>
               <a:buNone/>
             </a:pPr>
-            <a:r>
-              <a:rPr lang="en-US" sz="2000" dirty="0">
-                <a:hlinkClick r:id="rId3"/>
-              </a:rPr>
-              <a:t>https://zhuanlan.zhihu.com/p/107737824</a:t>
-            </a:r>
-            <a:r>
-              <a:rPr lang="en-US" sz="2000" dirty="0"/>
-              <a:t> </a:t>
-            </a:r>
-          </a:p>
-          <a:p>
-            <a:pPr marL="0" indent="0">
-              <a:lnSpc>
-                <a:spcPct val="110000"/>
-              </a:lnSpc>
-              <a:buNone/>
-            </a:pPr>
-            <a:r>
-              <a:rPr lang="en-US" sz="2000" dirty="0">
-                <a:hlinkClick r:id="rId4"/>
-              </a:rPr>
-              <a:t>https://zhuanlan.zhihu.com/p/315800604</a:t>
-            </a:r>
-            <a:r>
-              <a:rPr lang="en-US" sz="2000" dirty="0"/>
-              <a:t> </a:t>
-            </a:r>
-          </a:p>
-          <a:p>
-            <a:pPr marL="0" indent="0">
-              <a:lnSpc>
-                <a:spcPct val="110000"/>
-              </a:lnSpc>
-              <a:buNone/>
-            </a:pPr>
-            <a:r>
-              <a:rPr lang="en-US" sz="2000" dirty="0">
-                <a:hlinkClick r:id="rId5"/>
-              </a:rPr>
-              <a:t>https://blog.csdn.net/uncle_ll/article/details/82778750</a:t>
-            </a:r>
-            <a:r>
-              <a:rPr lang="en-US" sz="2000" dirty="0"/>
-              <a:t> </a:t>
-            </a:r>
-          </a:p>
-          <a:p>
-            <a:pPr marL="0" indent="0">
-              <a:lnSpc>
-                <a:spcPct val="110000"/>
-              </a:lnSpc>
-              <a:buNone/>
-            </a:pPr>
-            <a:r>
-              <a:rPr lang="en-US" sz="2000" dirty="0">
-                <a:hlinkClick r:id="rId6"/>
-              </a:rPr>
-              <a:t>https://docs.dgl.ai/en/1.1.x/guide_cn/minibatch-edge.html#guide-cn-minibatch-edge-classification-sampler</a:t>
-            </a:r>
-            <a:r>
-              <a:rPr lang="en-US" sz="2000" dirty="0"/>
-              <a:t> </a:t>
-            </a:r>
-          </a:p>
-          <a:p>
-            <a:pPr marL="0" indent="0">
-              <a:lnSpc>
-                <a:spcPct val="110000"/>
-              </a:lnSpc>
-              <a:buNone/>
-            </a:pPr>
-            <a:r>
-              <a:rPr lang="en-US" sz="2000" dirty="0">
-                <a:hlinkClick r:id="rId7"/>
-              </a:rPr>
-              <a:t>https://docs.dgl.ai/en/0.8.x/generated/dgl.nn.pytorch.conv.SAGEConv.html</a:t>
-            </a:r>
-            <a:r>
-              <a:rPr lang="en-US" sz="2000" dirty="0"/>
-              <a:t> </a:t>
-            </a:r>
-          </a:p>
-          <a:p>
-            <a:pPr marL="0" indent="0">
-              <a:lnSpc>
-                <a:spcPct val="110000"/>
-              </a:lnSpc>
-              <a:buNone/>
-            </a:pPr>
-            <a:r>
-              <a:rPr lang="en-US" sz="2000" dirty="0">
-                <a:hlinkClick r:id="rId8"/>
-              </a:rPr>
-              <a:t>https://docs.dgl.ai/en/0.8.x/generated/dgl.nn.pytorch.conv.GATConv.html</a:t>
-            </a:r>
-            <a:r>
-              <a:rPr lang="en-US" sz="2000" dirty="0"/>
-              <a:t> </a:t>
-            </a:r>
-          </a:p>
-          <a:p>
-            <a:pPr marL="0" indent="0">
-              <a:lnSpc>
-                <a:spcPct val="110000"/>
-              </a:lnSpc>
-              <a:buNone/>
-            </a:pPr>
-            <a:endParaRPr lang="en-US" sz="2000" dirty="0"/>
-          </a:p>
-          <a:p>
-            <a:pPr marL="0" indent="0">
-              <a:lnSpc>
-                <a:spcPct val="110000"/>
-              </a:lnSpc>
-              <a:buNone/>
-            </a:pPr>
-            <a:endParaRPr lang="en-TW" sz="2000" dirty="0"/>
+            <a:endParaRPr lang="en-TW" dirty="0"/>
           </a:p>
         </p:txBody>
       </p:sp>
@@ -9179,7 +9577,7 @@
     </p:spTree>
     <p:extLst>
       <p:ext uri="{BB962C8B-B14F-4D97-AF65-F5344CB8AC3E}">
-        <p14:creationId xmlns:p14="http://schemas.microsoft.com/office/powerpoint/2010/main" val="1954880310"/>
+        <p14:creationId xmlns:p14="http://schemas.microsoft.com/office/powerpoint/2010/main" val="2421199054"/>
       </p:ext>
     </p:extLst>
   </p:cSld>
@@ -9220,44 +9618,10 @@
       </p:grpSpPr>
       <p:sp>
         <p:nvSpPr>
-          <p:cNvPr id="2" name="Title 1">
-            <a:extLst>
-              <a:ext uri="{FF2B5EF4-FFF2-40B4-BE49-F238E27FC236}">
-                <a16:creationId xmlns:a16="http://schemas.microsoft.com/office/drawing/2014/main" id="{2B533BED-E48C-5E7F-2273-C55CCE98516B}"/>
-              </a:ext>
-            </a:extLst>
-          </p:cNvPr>
-          <p:cNvSpPr>
-            <a:spLocks noGrp="1"/>
-          </p:cNvSpPr>
-          <p:nvPr>
-            <p:ph type="title"/>
-          </p:nvPr>
-        </p:nvSpPr>
-        <p:spPr>
-          <a:xfrm>
-            <a:off x="366079" y="273051"/>
-            <a:ext cx="10515600" cy="1325563"/>
-          </a:xfrm>
-        </p:spPr>
-        <p:txBody>
-          <a:bodyPr/>
-          <a:lstStyle/>
-          <a:p>
-            <a:r>
-              <a:rPr lang="en-US" b="1" dirty="0"/>
-              <a:t>Experiment 3</a:t>
-            </a:r>
-            <a:endParaRPr lang="en-TW" b="1" dirty="0"/>
-          </a:p>
-        </p:txBody>
-      </p:sp>
-      <p:sp>
-        <p:nvSpPr>
           <p:cNvPr id="4" name="Slide Number Placeholder 3">
             <a:extLst>
               <a:ext uri="{FF2B5EF4-FFF2-40B4-BE49-F238E27FC236}">
-                <a16:creationId xmlns:a16="http://schemas.microsoft.com/office/drawing/2014/main" id="{5CD44B9F-7DE8-0932-BD70-B0BA453E653B}"/>
+                <a16:creationId xmlns:a16="http://schemas.microsoft.com/office/drawing/2014/main" id="{2BC4D631-FD05-0882-9331-7401BF92027E}"/>
               </a:ext>
             </a:extLst>
           </p:cNvPr>
@@ -9277,334 +9641,47 @@
               <a:rPr lang="en-TW" smtClean="0"/>
               <a:t>22</a:t>
             </a:fld>
-            <a:endParaRPr lang="en-TW" dirty="0"/>
-          </a:p>
-        </p:txBody>
-      </p:sp>
-      <p:pic>
-        <p:nvPicPr>
-          <p:cNvPr id="6" name="Picture 5">
-            <a:extLst>
-              <a:ext uri="{FF2B5EF4-FFF2-40B4-BE49-F238E27FC236}">
-                <a16:creationId xmlns:a16="http://schemas.microsoft.com/office/drawing/2014/main" id="{4BD6EFA7-9B5D-74A8-C2FC-6CA82CAEC2D8}"/>
-              </a:ext>
-            </a:extLst>
-          </p:cNvPr>
-          <p:cNvPicPr>
-            <a:picLocks noChangeAspect="1"/>
-          </p:cNvPicPr>
-          <p:nvPr/>
-        </p:nvPicPr>
-        <p:blipFill>
-          <a:blip r:embed="rId3"/>
-          <a:stretch>
-            <a:fillRect/>
-          </a:stretch>
-        </p:blipFill>
+            <a:endParaRPr lang="en-TW"/>
+          </a:p>
+        </p:txBody>
+      </p:sp>
+      <p:sp>
+        <p:nvSpPr>
+          <p:cNvPr id="5" name="Title 4">
+            <a:extLst>
+              <a:ext uri="{FF2B5EF4-FFF2-40B4-BE49-F238E27FC236}">
+                <a16:creationId xmlns:a16="http://schemas.microsoft.com/office/drawing/2014/main" id="{FD89D94C-6796-FFAC-888D-5EC2B2407BC6}"/>
+              </a:ext>
+            </a:extLst>
+          </p:cNvPr>
+          <p:cNvSpPr>
+            <a:spLocks noGrp="1"/>
+          </p:cNvSpPr>
+          <p:nvPr>
+            <p:ph type="ctrTitle"/>
+          </p:nvPr>
+        </p:nvSpPr>
         <p:spPr>
           <a:xfrm>
-            <a:off x="419100" y="1947208"/>
-            <a:ext cx="5676900" cy="901700"/>
+            <a:off x="1524000" y="1484970"/>
+            <a:ext cx="9144000" cy="2387600"/>
           </a:xfrm>
-          <a:prstGeom prst="rect">
-            <a:avLst/>
-          </a:prstGeom>
         </p:spPr>
-      </p:pic>
-      <p:pic>
-        <p:nvPicPr>
-          <p:cNvPr id="8" name="Picture 7">
-            <a:extLst>
-              <a:ext uri="{FF2B5EF4-FFF2-40B4-BE49-F238E27FC236}">
-                <a16:creationId xmlns:a16="http://schemas.microsoft.com/office/drawing/2014/main" id="{F2B82E1E-AF62-CE9F-6F52-493EE50C476C}"/>
-              </a:ext>
-            </a:extLst>
-          </p:cNvPr>
-          <p:cNvPicPr>
-            <a:picLocks noChangeAspect="1"/>
-          </p:cNvPicPr>
-          <p:nvPr/>
-        </p:nvPicPr>
-        <p:blipFill>
-          <a:blip r:embed="rId4"/>
-          <a:stretch>
-            <a:fillRect/>
-          </a:stretch>
-        </p:blipFill>
-        <p:spPr>
-          <a:xfrm>
-            <a:off x="6493809" y="2531408"/>
-            <a:ext cx="4457700" cy="317500"/>
-          </a:xfrm>
-          <a:prstGeom prst="rect">
-            <a:avLst/>
-          </a:prstGeom>
-        </p:spPr>
-      </p:pic>
-      <p:pic>
-        <p:nvPicPr>
-          <p:cNvPr id="10" name="Picture 9">
-            <a:extLst>
-              <a:ext uri="{FF2B5EF4-FFF2-40B4-BE49-F238E27FC236}">
-                <a16:creationId xmlns:a16="http://schemas.microsoft.com/office/drawing/2014/main" id="{A0B6EC21-355C-01C7-DCE3-0CF8F4B457E0}"/>
-              </a:ext>
-            </a:extLst>
-          </p:cNvPr>
-          <p:cNvPicPr>
-            <a:picLocks noChangeAspect="1"/>
-          </p:cNvPicPr>
-          <p:nvPr/>
-        </p:nvPicPr>
-        <p:blipFill>
-          <a:blip r:embed="rId5"/>
-          <a:stretch>
-            <a:fillRect/>
-          </a:stretch>
-        </p:blipFill>
-        <p:spPr>
-          <a:xfrm>
-            <a:off x="4906309" y="3197502"/>
-            <a:ext cx="6045200" cy="304800"/>
-          </a:xfrm>
-          <a:prstGeom prst="rect">
-            <a:avLst/>
-          </a:prstGeom>
-        </p:spPr>
-      </p:pic>
-      <p:pic>
-        <p:nvPicPr>
-          <p:cNvPr id="12" name="Picture 11">
-            <a:extLst>
-              <a:ext uri="{FF2B5EF4-FFF2-40B4-BE49-F238E27FC236}">
-                <a16:creationId xmlns:a16="http://schemas.microsoft.com/office/drawing/2014/main" id="{B5236D38-BAED-8A38-CA5A-891761C6F796}"/>
-              </a:ext>
-            </a:extLst>
-          </p:cNvPr>
-          <p:cNvPicPr>
-            <a:picLocks noChangeAspect="1"/>
-          </p:cNvPicPr>
-          <p:nvPr/>
-        </p:nvPicPr>
-        <p:blipFill>
-          <a:blip r:embed="rId6"/>
-          <a:stretch>
-            <a:fillRect/>
-          </a:stretch>
-        </p:blipFill>
-        <p:spPr>
-          <a:xfrm>
-            <a:off x="4953000" y="3781702"/>
-            <a:ext cx="3657600" cy="254000"/>
-          </a:xfrm>
-          <a:prstGeom prst="rect">
-            <a:avLst/>
-          </a:prstGeom>
-        </p:spPr>
-      </p:pic>
-      <p:sp>
-        <p:nvSpPr>
-          <p:cNvPr id="13" name="TextBox 12">
-            <a:extLst>
-              <a:ext uri="{FF2B5EF4-FFF2-40B4-BE49-F238E27FC236}">
-                <a16:creationId xmlns:a16="http://schemas.microsoft.com/office/drawing/2014/main" id="{81B95D37-307E-0522-62C2-A699E7311E0F}"/>
-              </a:ext>
-            </a:extLst>
-          </p:cNvPr>
-          <p:cNvSpPr txBox="1"/>
-          <p:nvPr/>
-        </p:nvSpPr>
-        <p:spPr>
-          <a:xfrm>
-            <a:off x="688622" y="3781702"/>
-            <a:ext cx="10665178" cy="1415772"/>
-          </a:xfrm>
-          <a:prstGeom prst="rect">
-            <a:avLst/>
-          </a:prstGeom>
-          <a:noFill/>
-        </p:spPr>
-        <p:txBody>
-          <a:bodyPr wrap="square" rtlCol="0">
-            <a:spAutoFit/>
-          </a:bodyPr>
-          <a:lstStyle/>
-          <a:p>
-            <a:pPr marL="285750" indent="-285750">
-              <a:buFont typeface="Arial" panose="020B0604020202020204" pitchFamily="34" charset="0"/>
-              <a:buChar char="•"/>
-            </a:pPr>
-            <a:r>
-              <a:rPr lang="en-US" sz="2600" dirty="0"/>
-              <a:t>T</a:t>
-            </a:r>
-            <a:r>
-              <a:rPr lang="en-TW" sz="2600" dirty="0"/>
-              <a:t>otal: 25 epochs</a:t>
-            </a:r>
-          </a:p>
-          <a:p>
-            <a:pPr marL="742950" lvl="1" indent="-285750">
-              <a:buFont typeface="Arial" panose="020B0604020202020204" pitchFamily="34" charset="0"/>
-              <a:buChar char="•"/>
-            </a:pPr>
-            <a:r>
-              <a:rPr lang="en-US" sz="2000" dirty="0"/>
-              <a:t>O</a:t>
-            </a:r>
-            <a:r>
-              <a:rPr lang="en-US" sz="2000" dirty="0">
-                <a:effectLst/>
-              </a:rPr>
-              <a:t>ptimizer</a:t>
-            </a:r>
-            <a:r>
-              <a:rPr lang="en-US" sz="2000" dirty="0"/>
-              <a:t> </a:t>
-            </a:r>
-            <a:r>
-              <a:rPr lang="en-US" sz="2000" b="1" dirty="0">
-                <a:effectLst/>
-              </a:rPr>
-              <a:t>=</a:t>
-            </a:r>
-            <a:r>
-              <a:rPr lang="en-US" sz="2000" dirty="0"/>
-              <a:t> </a:t>
-            </a:r>
-            <a:r>
-              <a:rPr lang="en-US" sz="2000" dirty="0" err="1">
-                <a:effectLst/>
-              </a:rPr>
-              <a:t>AdamW</a:t>
-            </a:r>
-            <a:r>
-              <a:rPr lang="en-US" sz="2000" dirty="0">
-                <a:effectLst/>
-              </a:rPr>
-              <a:t>(</a:t>
-            </a:r>
-            <a:r>
-              <a:rPr lang="en-US" sz="2000" dirty="0" err="1">
-                <a:effectLst/>
-              </a:rPr>
-              <a:t>model</a:t>
-            </a:r>
-            <a:r>
-              <a:rPr lang="en-US" sz="2000" b="1" dirty="0" err="1">
-                <a:effectLst/>
-              </a:rPr>
-              <a:t>.</a:t>
-            </a:r>
-            <a:r>
-              <a:rPr lang="en-US" sz="2000" dirty="0" err="1">
-                <a:effectLst/>
-              </a:rPr>
-              <a:t>parameters</a:t>
-            </a:r>
-            <a:r>
-              <a:rPr lang="en-US" sz="2000" dirty="0">
-                <a:effectLst/>
-              </a:rPr>
-              <a:t>(),</a:t>
-            </a:r>
-            <a:r>
-              <a:rPr lang="en-US" sz="2000" dirty="0"/>
-              <a:t> </a:t>
-            </a:r>
-            <a:r>
-              <a:rPr lang="en-US" sz="2000" dirty="0" err="1">
-                <a:effectLst/>
-              </a:rPr>
-              <a:t>lr</a:t>
-            </a:r>
-            <a:r>
-              <a:rPr lang="en-US" sz="2000" b="1" dirty="0">
-                <a:effectLst/>
-              </a:rPr>
-              <a:t>=</a:t>
-            </a:r>
-            <a:r>
-              <a:rPr lang="en-US" sz="2000" dirty="0">
-                <a:effectLst/>
-              </a:rPr>
-              <a:t>5e-4)</a:t>
-            </a:r>
-          </a:p>
-          <a:p>
-            <a:pPr marL="742950" lvl="1" indent="-285750">
-              <a:buFont typeface="Arial" panose="020B0604020202020204" pitchFamily="34" charset="0"/>
-              <a:buChar char="•"/>
-            </a:pPr>
-            <a:r>
-              <a:rPr lang="en-US" sz="2000" dirty="0"/>
-              <a:t>C</a:t>
-            </a:r>
-            <a:r>
-              <a:rPr lang="en-US" sz="2000" dirty="0">
-                <a:effectLst/>
-              </a:rPr>
-              <a:t>riterion</a:t>
-            </a:r>
-            <a:r>
-              <a:rPr lang="en-US" sz="2000" dirty="0"/>
-              <a:t> </a:t>
-            </a:r>
-            <a:r>
-              <a:rPr lang="en-US" sz="2000" b="1" dirty="0">
-                <a:effectLst/>
-              </a:rPr>
-              <a:t>=</a:t>
-            </a:r>
-            <a:r>
-              <a:rPr lang="en-US" sz="2000" dirty="0"/>
-              <a:t> </a:t>
-            </a:r>
-            <a:r>
-              <a:rPr lang="en-US" sz="2000" dirty="0" err="1">
-                <a:effectLst/>
-              </a:rPr>
-              <a:t>nn</a:t>
-            </a:r>
-            <a:r>
-              <a:rPr lang="en-US" sz="2000" b="1" dirty="0" err="1">
-                <a:effectLst/>
-              </a:rPr>
-              <a:t>.</a:t>
-            </a:r>
-            <a:r>
-              <a:rPr lang="en-US" sz="2000" dirty="0" err="1">
-                <a:effectLst/>
-              </a:rPr>
-              <a:t>CrossEntropyLoss</a:t>
-            </a:r>
-            <a:r>
-              <a:rPr lang="en-US" sz="2000" dirty="0">
-                <a:effectLst/>
-              </a:rPr>
-              <a:t>()</a:t>
-            </a:r>
-          </a:p>
-          <a:p>
-            <a:pPr marL="742950" lvl="1" indent="-285750">
-              <a:buFont typeface="Arial" panose="020B0604020202020204" pitchFamily="34" charset="0"/>
-              <a:buChar char="•"/>
-            </a:pPr>
-            <a:r>
-              <a:rPr lang="en-US" sz="2000" dirty="0"/>
-              <a:t>Batch size = </a:t>
-            </a:r>
-            <a:r>
-              <a:rPr lang="en-US" altLang="zh-TW" sz="2000" dirty="0"/>
-              <a:t>4</a:t>
-            </a:r>
-            <a:endParaRPr lang="en-US" sz="2000" dirty="0"/>
+        <p:txBody>
+          <a:bodyPr/>
+          <a:lstStyle/>
+          <a:p>
+            <a:r>
+              <a:rPr lang="en-TW" b="1" dirty="0"/>
+              <a:t>Thanks!!</a:t>
+            </a:r>
           </a:p>
         </p:txBody>
       </p:sp>
     </p:spTree>
     <p:extLst>
       <p:ext uri="{BB962C8B-B14F-4D97-AF65-F5344CB8AC3E}">
-        <p14:creationId xmlns:p14="http://schemas.microsoft.com/office/powerpoint/2010/main" val="3369677242"/>
+        <p14:creationId xmlns:p14="http://schemas.microsoft.com/office/powerpoint/2010/main" val="2872018066"/>
       </p:ext>
     </p:extLst>
   </p:cSld>
@@ -9645,46 +9722,6 @@
       </p:grpSpPr>
       <p:sp>
         <p:nvSpPr>
-          <p:cNvPr id="2" name="Title 1">
-            <a:extLst>
-              <a:ext uri="{FF2B5EF4-FFF2-40B4-BE49-F238E27FC236}">
-                <a16:creationId xmlns:a16="http://schemas.microsoft.com/office/drawing/2014/main" id="{2D1F1D5D-BC21-FE6C-199A-114DD8A93B70}"/>
-              </a:ext>
-            </a:extLst>
-          </p:cNvPr>
-          <p:cNvSpPr>
-            <a:spLocks noGrp="1"/>
-          </p:cNvSpPr>
-          <p:nvPr>
-            <p:ph type="ctrTitle"/>
-          </p:nvPr>
-        </p:nvSpPr>
-        <p:spPr>
-          <a:xfrm>
-            <a:off x="1056289" y="1492465"/>
-            <a:ext cx="10079421" cy="2387600"/>
-          </a:xfrm>
-        </p:spPr>
-        <p:txBody>
-          <a:bodyPr>
-            <a:normAutofit/>
-          </a:bodyPr>
-          <a:lstStyle/>
-          <a:p>
-            <a:pPr>
-              <a:lnSpc>
-                <a:spcPct val="110000"/>
-              </a:lnSpc>
-            </a:pPr>
-            <a:r>
-              <a:rPr lang="en-TW" sz="4800" b="1" dirty="0"/>
-              <a:t>Graph Convolutional Network - GCN</a:t>
-            </a:r>
-          </a:p>
-        </p:txBody>
-      </p:sp>
-      <p:sp>
-        <p:nvSpPr>
           <p:cNvPr id="4" name="Slide Number Placeholder 3">
             <a:extLst>
               <a:ext uri="{FF2B5EF4-FFF2-40B4-BE49-F238E27FC236}">
@@ -9712,10 +9749,43 @@
           </a:p>
         </p:txBody>
       </p:sp>
+      <p:sp>
+        <p:nvSpPr>
+          <p:cNvPr id="5" name="Title 4">
+            <a:extLst>
+              <a:ext uri="{FF2B5EF4-FFF2-40B4-BE49-F238E27FC236}">
+                <a16:creationId xmlns:a16="http://schemas.microsoft.com/office/drawing/2014/main" id="{FD89D94C-6796-FFAC-888D-5EC2B2407BC6}"/>
+              </a:ext>
+            </a:extLst>
+          </p:cNvPr>
+          <p:cNvSpPr>
+            <a:spLocks noGrp="1"/>
+          </p:cNvSpPr>
+          <p:nvPr>
+            <p:ph type="ctrTitle"/>
+          </p:nvPr>
+        </p:nvSpPr>
+        <p:spPr>
+          <a:xfrm>
+            <a:off x="1524000" y="1484970"/>
+            <a:ext cx="9144000" cy="2387600"/>
+          </a:xfrm>
+        </p:spPr>
+        <p:txBody>
+          <a:bodyPr/>
+          <a:lstStyle/>
+          <a:p>
+            <a:r>
+              <a:rPr lang="en-TW" b="1" dirty="0"/>
+              <a:t>Appendix</a:t>
+            </a:r>
+          </a:p>
+        </p:txBody>
+      </p:sp>
     </p:spTree>
     <p:extLst>
       <p:ext uri="{BB962C8B-B14F-4D97-AF65-F5344CB8AC3E}">
-        <p14:creationId xmlns:p14="http://schemas.microsoft.com/office/powerpoint/2010/main" val="1678796027"/>
+        <p14:creationId xmlns:p14="http://schemas.microsoft.com/office/powerpoint/2010/main" val="2806617322"/>
       </p:ext>
     </p:extLst>
   </p:cSld>
@@ -9772,6 +9842,819 @@
         </p:nvSpPr>
         <p:spPr>
           <a:xfrm>
+            <a:off x="374904" y="197907"/>
+            <a:ext cx="10515600" cy="1325563"/>
+          </a:xfrm>
+        </p:spPr>
+        <p:txBody>
+          <a:bodyPr/>
+          <a:lstStyle/>
+          <a:p>
+            <a:r>
+              <a:rPr lang="en-TW" b="1" dirty="0"/>
+              <a:t>Useful Links</a:t>
+            </a:r>
+          </a:p>
+        </p:txBody>
+      </p:sp>
+      <p:sp>
+        <p:nvSpPr>
+          <p:cNvPr id="3" name="Content Placeholder 2">
+            <a:extLst>
+              <a:ext uri="{FF2B5EF4-FFF2-40B4-BE49-F238E27FC236}">
+                <a16:creationId xmlns:a16="http://schemas.microsoft.com/office/drawing/2014/main" id="{25B0A74B-6281-327F-44E6-1E41A778AF7E}"/>
+              </a:ext>
+            </a:extLst>
+          </p:cNvPr>
+          <p:cNvSpPr>
+            <a:spLocks noGrp="1"/>
+          </p:cNvSpPr>
+          <p:nvPr>
+            <p:ph idx="1"/>
+          </p:nvPr>
+        </p:nvSpPr>
+        <p:spPr>
+          <a:xfrm>
+            <a:off x="695678" y="1608814"/>
+            <a:ext cx="10800644" cy="4832880"/>
+          </a:xfrm>
+        </p:spPr>
+        <p:txBody>
+          <a:bodyPr>
+            <a:normAutofit/>
+          </a:bodyPr>
+          <a:lstStyle/>
+          <a:p>
+            <a:pPr marL="0" indent="0">
+              <a:lnSpc>
+                <a:spcPct val="110000"/>
+              </a:lnSpc>
+              <a:buNone/>
+            </a:pPr>
+            <a:r>
+              <a:rPr lang="en-US" sz="2000" dirty="0">
+                <a:hlinkClick r:id="rId3"/>
+              </a:rPr>
+              <a:t>https://zhuanlan.zhihu.com/p/107737824</a:t>
+            </a:r>
+            <a:r>
+              <a:rPr lang="en-US" sz="2000" dirty="0"/>
+              <a:t> </a:t>
+            </a:r>
+          </a:p>
+          <a:p>
+            <a:pPr marL="0" indent="0">
+              <a:lnSpc>
+                <a:spcPct val="110000"/>
+              </a:lnSpc>
+              <a:buNone/>
+            </a:pPr>
+            <a:r>
+              <a:rPr lang="en-US" sz="2000" dirty="0">
+                <a:hlinkClick r:id="rId4"/>
+              </a:rPr>
+              <a:t>https://zhuanlan.zhihu.com/p/315800604</a:t>
+            </a:r>
+            <a:r>
+              <a:rPr lang="en-US" sz="2000" dirty="0"/>
+              <a:t> </a:t>
+            </a:r>
+          </a:p>
+          <a:p>
+            <a:pPr marL="0" indent="0">
+              <a:lnSpc>
+                <a:spcPct val="110000"/>
+              </a:lnSpc>
+              <a:buNone/>
+            </a:pPr>
+            <a:r>
+              <a:rPr lang="en-US" sz="2000" dirty="0">
+                <a:hlinkClick r:id="rId5"/>
+              </a:rPr>
+              <a:t>https://blog.csdn.net/uncle_ll/article/details/82778750</a:t>
+            </a:r>
+            <a:r>
+              <a:rPr lang="en-US" sz="2000" dirty="0"/>
+              <a:t> </a:t>
+            </a:r>
+          </a:p>
+          <a:p>
+            <a:pPr marL="0" indent="0">
+              <a:lnSpc>
+                <a:spcPct val="110000"/>
+              </a:lnSpc>
+              <a:buNone/>
+            </a:pPr>
+            <a:r>
+              <a:rPr lang="en-US" sz="2000" dirty="0">
+                <a:hlinkClick r:id="rId6"/>
+              </a:rPr>
+              <a:t>https://docs.dgl.ai/en/1.1.x/guide_cn/minibatch-edge.html#guide-cn-minibatch-edge-classification-sampler</a:t>
+            </a:r>
+            <a:r>
+              <a:rPr lang="en-US" sz="2000" dirty="0"/>
+              <a:t> </a:t>
+            </a:r>
+          </a:p>
+          <a:p>
+            <a:pPr marL="0" indent="0">
+              <a:lnSpc>
+                <a:spcPct val="110000"/>
+              </a:lnSpc>
+              <a:buNone/>
+            </a:pPr>
+            <a:r>
+              <a:rPr lang="en-US" sz="2000" dirty="0">
+                <a:hlinkClick r:id="rId7"/>
+              </a:rPr>
+              <a:t>https://docs.dgl.ai/en/0.8.x/generated/dgl.nn.pytorch.conv.SAGEConv.html</a:t>
+            </a:r>
+            <a:r>
+              <a:rPr lang="en-US" sz="2000" dirty="0"/>
+              <a:t> </a:t>
+            </a:r>
+          </a:p>
+          <a:p>
+            <a:pPr marL="0" indent="0">
+              <a:lnSpc>
+                <a:spcPct val="110000"/>
+              </a:lnSpc>
+              <a:buNone/>
+            </a:pPr>
+            <a:r>
+              <a:rPr lang="en-US" sz="2000" dirty="0">
+                <a:hlinkClick r:id="rId8"/>
+              </a:rPr>
+              <a:t>https://docs.dgl.ai/en/0.8.x/generated/dgl.nn.pytorch.conv.GATConv.html</a:t>
+            </a:r>
+            <a:r>
+              <a:rPr lang="en-US" sz="2000" dirty="0"/>
+              <a:t> </a:t>
+            </a:r>
+          </a:p>
+          <a:p>
+            <a:pPr marL="0" indent="0">
+              <a:lnSpc>
+                <a:spcPct val="110000"/>
+              </a:lnSpc>
+              <a:buNone/>
+            </a:pPr>
+            <a:r>
+              <a:rPr lang="en-US" sz="2000" dirty="0">
+                <a:hlinkClick r:id="rId9"/>
+              </a:rPr>
+              <a:t>https://www.modb.pro/db/111133</a:t>
+            </a:r>
+            <a:r>
+              <a:rPr lang="en-US" sz="2000" dirty="0"/>
+              <a:t> </a:t>
+            </a:r>
+          </a:p>
+          <a:p>
+            <a:pPr marL="0" indent="0">
+              <a:lnSpc>
+                <a:spcPct val="110000"/>
+              </a:lnSpc>
+              <a:buNone/>
+            </a:pPr>
+            <a:endParaRPr lang="en-US" sz="2000" dirty="0"/>
+          </a:p>
+          <a:p>
+            <a:pPr marL="0" indent="0">
+              <a:lnSpc>
+                <a:spcPct val="110000"/>
+              </a:lnSpc>
+              <a:buNone/>
+            </a:pPr>
+            <a:endParaRPr lang="en-TW" sz="2000" dirty="0"/>
+          </a:p>
+        </p:txBody>
+      </p:sp>
+      <p:sp>
+        <p:nvSpPr>
+          <p:cNvPr id="4" name="Slide Number Placeholder 3">
+            <a:extLst>
+              <a:ext uri="{FF2B5EF4-FFF2-40B4-BE49-F238E27FC236}">
+                <a16:creationId xmlns:a16="http://schemas.microsoft.com/office/drawing/2014/main" id="{5CD44B9F-7DE8-0932-BD70-B0BA453E653B}"/>
+              </a:ext>
+            </a:extLst>
+          </p:cNvPr>
+          <p:cNvSpPr>
+            <a:spLocks noGrp="1"/>
+          </p:cNvSpPr>
+          <p:nvPr>
+            <p:ph type="sldNum" sz="quarter" idx="12"/>
+          </p:nvPr>
+        </p:nvSpPr>
+        <p:spPr/>
+        <p:txBody>
+          <a:bodyPr/>
+          <a:lstStyle/>
+          <a:p>
+            <a:fld id="{DB156E10-B3DB-CB42-894C-E44038C8B0C4}" type="slidenum">
+              <a:rPr lang="en-TW" smtClean="0"/>
+              <a:t>24</a:t>
+            </a:fld>
+            <a:endParaRPr lang="en-TW"/>
+          </a:p>
+        </p:txBody>
+      </p:sp>
+    </p:spTree>
+    <p:extLst>
+      <p:ext uri="{BB962C8B-B14F-4D97-AF65-F5344CB8AC3E}">
+        <p14:creationId xmlns:p14="http://schemas.microsoft.com/office/powerpoint/2010/main" val="1954880310"/>
+      </p:ext>
+    </p:extLst>
+  </p:cSld>
+  <p:clrMapOvr>
+    <a:masterClrMapping/>
+  </p:clrMapOvr>
+  <mc:AlternateContent xmlns:mc="http://schemas.openxmlformats.org/markup-compatibility/2006" xmlns:p159="http://schemas.microsoft.com/office/powerpoint/2015/09/main">
+    <mc:Choice Requires="p159">
+      <p:transition xmlns:p14="http://schemas.microsoft.com/office/powerpoint/2010/main" spd="slow" p14:dur="2000">
+        <p159:morph option="byObject"/>
+      </p:transition>
+    </mc:Choice>
+    <mc:Fallback xmlns="">
+      <p:transition spd="slow">
+        <p:fade/>
+      </p:transition>
+    </mc:Fallback>
+  </mc:AlternateContent>
+</p:sld>
+</file>
+
+<file path=ppt/slides/slide25.xml><?xml version="1.0" encoding="utf-8"?>
+<p:sld xmlns:a="http://schemas.openxmlformats.org/drawingml/2006/main" xmlns:r="http://schemas.openxmlformats.org/officeDocument/2006/relationships" xmlns:p="http://schemas.openxmlformats.org/presentationml/2006/main">
+  <p:cSld>
+    <p:spTree>
+      <p:nvGrpSpPr>
+        <p:cNvPr id="1" name=""/>
+        <p:cNvGrpSpPr/>
+        <p:nvPr/>
+      </p:nvGrpSpPr>
+      <p:grpSpPr>
+        <a:xfrm>
+          <a:off x="0" y="0"/>
+          <a:ext cx="0" cy="0"/>
+          <a:chOff x="0" y="0"/>
+          <a:chExt cx="0" cy="0"/>
+        </a:xfrm>
+      </p:grpSpPr>
+      <p:sp>
+        <p:nvSpPr>
+          <p:cNvPr id="2" name="Title 1">
+            <a:extLst>
+              <a:ext uri="{FF2B5EF4-FFF2-40B4-BE49-F238E27FC236}">
+                <a16:creationId xmlns:a16="http://schemas.microsoft.com/office/drawing/2014/main" id="{2B533BED-E48C-5E7F-2273-C55CCE98516B}"/>
+              </a:ext>
+            </a:extLst>
+          </p:cNvPr>
+          <p:cNvSpPr>
+            <a:spLocks noGrp="1"/>
+          </p:cNvSpPr>
+          <p:nvPr>
+            <p:ph type="title"/>
+          </p:nvPr>
+        </p:nvSpPr>
+        <p:spPr>
+          <a:xfrm>
+            <a:off x="366079" y="273051"/>
+            <a:ext cx="10515600" cy="1325563"/>
+          </a:xfrm>
+        </p:spPr>
+        <p:txBody>
+          <a:bodyPr/>
+          <a:lstStyle/>
+          <a:p>
+            <a:r>
+              <a:rPr lang="en-US" b="1" dirty="0"/>
+              <a:t>Experiment 3</a:t>
+            </a:r>
+            <a:endParaRPr lang="en-TW" b="1" dirty="0"/>
+          </a:p>
+        </p:txBody>
+      </p:sp>
+      <p:sp>
+        <p:nvSpPr>
+          <p:cNvPr id="4" name="Slide Number Placeholder 3">
+            <a:extLst>
+              <a:ext uri="{FF2B5EF4-FFF2-40B4-BE49-F238E27FC236}">
+                <a16:creationId xmlns:a16="http://schemas.microsoft.com/office/drawing/2014/main" id="{5CD44B9F-7DE8-0932-BD70-B0BA453E653B}"/>
+              </a:ext>
+            </a:extLst>
+          </p:cNvPr>
+          <p:cNvSpPr>
+            <a:spLocks noGrp="1"/>
+          </p:cNvSpPr>
+          <p:nvPr>
+            <p:ph type="sldNum" sz="quarter" idx="12"/>
+          </p:nvPr>
+        </p:nvSpPr>
+        <p:spPr/>
+        <p:txBody>
+          <a:bodyPr/>
+          <a:lstStyle/>
+          <a:p>
+            <a:fld id="{DB156E10-B3DB-CB42-894C-E44038C8B0C4}" type="slidenum">
+              <a:rPr lang="en-TW" smtClean="0"/>
+              <a:t>25</a:t>
+            </a:fld>
+            <a:endParaRPr lang="en-TW" dirty="0"/>
+          </a:p>
+        </p:txBody>
+      </p:sp>
+      <p:pic>
+        <p:nvPicPr>
+          <p:cNvPr id="6" name="Picture 5">
+            <a:extLst>
+              <a:ext uri="{FF2B5EF4-FFF2-40B4-BE49-F238E27FC236}">
+                <a16:creationId xmlns:a16="http://schemas.microsoft.com/office/drawing/2014/main" id="{4BD6EFA7-9B5D-74A8-C2FC-6CA82CAEC2D8}"/>
+              </a:ext>
+            </a:extLst>
+          </p:cNvPr>
+          <p:cNvPicPr>
+            <a:picLocks noChangeAspect="1"/>
+          </p:cNvPicPr>
+          <p:nvPr/>
+        </p:nvPicPr>
+        <p:blipFill>
+          <a:blip r:embed="rId3"/>
+          <a:stretch>
+            <a:fillRect/>
+          </a:stretch>
+        </p:blipFill>
+        <p:spPr>
+          <a:xfrm>
+            <a:off x="419100" y="1947208"/>
+            <a:ext cx="5676900" cy="901700"/>
+          </a:xfrm>
+          <a:prstGeom prst="rect">
+            <a:avLst/>
+          </a:prstGeom>
+        </p:spPr>
+      </p:pic>
+      <p:pic>
+        <p:nvPicPr>
+          <p:cNvPr id="8" name="Picture 7">
+            <a:extLst>
+              <a:ext uri="{FF2B5EF4-FFF2-40B4-BE49-F238E27FC236}">
+                <a16:creationId xmlns:a16="http://schemas.microsoft.com/office/drawing/2014/main" id="{F2B82E1E-AF62-CE9F-6F52-493EE50C476C}"/>
+              </a:ext>
+            </a:extLst>
+          </p:cNvPr>
+          <p:cNvPicPr>
+            <a:picLocks noChangeAspect="1"/>
+          </p:cNvPicPr>
+          <p:nvPr/>
+        </p:nvPicPr>
+        <p:blipFill>
+          <a:blip r:embed="rId4"/>
+          <a:stretch>
+            <a:fillRect/>
+          </a:stretch>
+        </p:blipFill>
+        <p:spPr>
+          <a:xfrm>
+            <a:off x="6493809" y="2531408"/>
+            <a:ext cx="4457700" cy="317500"/>
+          </a:xfrm>
+          <a:prstGeom prst="rect">
+            <a:avLst/>
+          </a:prstGeom>
+        </p:spPr>
+      </p:pic>
+      <p:pic>
+        <p:nvPicPr>
+          <p:cNvPr id="10" name="Picture 9">
+            <a:extLst>
+              <a:ext uri="{FF2B5EF4-FFF2-40B4-BE49-F238E27FC236}">
+                <a16:creationId xmlns:a16="http://schemas.microsoft.com/office/drawing/2014/main" id="{A0B6EC21-355C-01C7-DCE3-0CF8F4B457E0}"/>
+              </a:ext>
+            </a:extLst>
+          </p:cNvPr>
+          <p:cNvPicPr>
+            <a:picLocks noChangeAspect="1"/>
+          </p:cNvPicPr>
+          <p:nvPr/>
+        </p:nvPicPr>
+        <p:blipFill>
+          <a:blip r:embed="rId5"/>
+          <a:stretch>
+            <a:fillRect/>
+          </a:stretch>
+        </p:blipFill>
+        <p:spPr>
+          <a:xfrm>
+            <a:off x="4906309" y="3197502"/>
+            <a:ext cx="6045200" cy="304800"/>
+          </a:xfrm>
+          <a:prstGeom prst="rect">
+            <a:avLst/>
+          </a:prstGeom>
+        </p:spPr>
+      </p:pic>
+      <p:pic>
+        <p:nvPicPr>
+          <p:cNvPr id="12" name="Picture 11">
+            <a:extLst>
+              <a:ext uri="{FF2B5EF4-FFF2-40B4-BE49-F238E27FC236}">
+                <a16:creationId xmlns:a16="http://schemas.microsoft.com/office/drawing/2014/main" id="{B5236D38-BAED-8A38-CA5A-891761C6F796}"/>
+              </a:ext>
+            </a:extLst>
+          </p:cNvPr>
+          <p:cNvPicPr>
+            <a:picLocks noChangeAspect="1"/>
+          </p:cNvPicPr>
+          <p:nvPr/>
+        </p:nvPicPr>
+        <p:blipFill>
+          <a:blip r:embed="rId6"/>
+          <a:stretch>
+            <a:fillRect/>
+          </a:stretch>
+        </p:blipFill>
+        <p:spPr>
+          <a:xfrm>
+            <a:off x="4953000" y="3781702"/>
+            <a:ext cx="3657600" cy="254000"/>
+          </a:xfrm>
+          <a:prstGeom prst="rect">
+            <a:avLst/>
+          </a:prstGeom>
+        </p:spPr>
+      </p:pic>
+      <p:sp>
+        <p:nvSpPr>
+          <p:cNvPr id="13" name="TextBox 12">
+            <a:extLst>
+              <a:ext uri="{FF2B5EF4-FFF2-40B4-BE49-F238E27FC236}">
+                <a16:creationId xmlns:a16="http://schemas.microsoft.com/office/drawing/2014/main" id="{81B95D37-307E-0522-62C2-A699E7311E0F}"/>
+              </a:ext>
+            </a:extLst>
+          </p:cNvPr>
+          <p:cNvSpPr txBox="1"/>
+          <p:nvPr/>
+        </p:nvSpPr>
+        <p:spPr>
+          <a:xfrm>
+            <a:off x="688622" y="3781702"/>
+            <a:ext cx="10665178" cy="1415772"/>
+          </a:xfrm>
+          <a:prstGeom prst="rect">
+            <a:avLst/>
+          </a:prstGeom>
+          <a:noFill/>
+        </p:spPr>
+        <p:txBody>
+          <a:bodyPr wrap="square" rtlCol="0">
+            <a:spAutoFit/>
+          </a:bodyPr>
+          <a:lstStyle/>
+          <a:p>
+            <a:pPr marL="285750" indent="-285750">
+              <a:buFont typeface="Arial" panose="020B0604020202020204" pitchFamily="34" charset="0"/>
+              <a:buChar char="•"/>
+            </a:pPr>
+            <a:r>
+              <a:rPr lang="en-US" sz="2600" dirty="0"/>
+              <a:t>T</a:t>
+            </a:r>
+            <a:r>
+              <a:rPr lang="en-TW" sz="2600" dirty="0"/>
+              <a:t>otal: 25 epochs</a:t>
+            </a:r>
+          </a:p>
+          <a:p>
+            <a:pPr marL="742950" lvl="1" indent="-285750">
+              <a:buFont typeface="Arial" panose="020B0604020202020204" pitchFamily="34" charset="0"/>
+              <a:buChar char="•"/>
+            </a:pPr>
+            <a:r>
+              <a:rPr lang="en-US" sz="2000" dirty="0"/>
+              <a:t>O</a:t>
+            </a:r>
+            <a:r>
+              <a:rPr lang="en-US" sz="2000" dirty="0">
+                <a:effectLst/>
+              </a:rPr>
+              <a:t>ptimizer</a:t>
+            </a:r>
+            <a:r>
+              <a:rPr lang="en-US" sz="2000" dirty="0"/>
+              <a:t> </a:t>
+            </a:r>
+            <a:r>
+              <a:rPr lang="en-US" sz="2000" b="1" dirty="0">
+                <a:effectLst/>
+              </a:rPr>
+              <a:t>=</a:t>
+            </a:r>
+            <a:r>
+              <a:rPr lang="en-US" sz="2000" dirty="0"/>
+              <a:t> </a:t>
+            </a:r>
+            <a:r>
+              <a:rPr lang="en-US" sz="2000" dirty="0" err="1">
+                <a:effectLst/>
+              </a:rPr>
+              <a:t>AdamW</a:t>
+            </a:r>
+            <a:r>
+              <a:rPr lang="en-US" sz="2000" dirty="0">
+                <a:effectLst/>
+              </a:rPr>
+              <a:t>(</a:t>
+            </a:r>
+            <a:r>
+              <a:rPr lang="en-US" sz="2000" dirty="0" err="1">
+                <a:effectLst/>
+              </a:rPr>
+              <a:t>model</a:t>
+            </a:r>
+            <a:r>
+              <a:rPr lang="en-US" sz="2000" b="1" dirty="0" err="1">
+                <a:effectLst/>
+              </a:rPr>
+              <a:t>.</a:t>
+            </a:r>
+            <a:r>
+              <a:rPr lang="en-US" sz="2000" dirty="0" err="1">
+                <a:effectLst/>
+              </a:rPr>
+              <a:t>parameters</a:t>
+            </a:r>
+            <a:r>
+              <a:rPr lang="en-US" sz="2000" dirty="0">
+                <a:effectLst/>
+              </a:rPr>
+              <a:t>(),</a:t>
+            </a:r>
+            <a:r>
+              <a:rPr lang="en-US" sz="2000" dirty="0"/>
+              <a:t> </a:t>
+            </a:r>
+            <a:r>
+              <a:rPr lang="en-US" sz="2000" dirty="0" err="1">
+                <a:effectLst/>
+              </a:rPr>
+              <a:t>lr</a:t>
+            </a:r>
+            <a:r>
+              <a:rPr lang="en-US" sz="2000" b="1" dirty="0">
+                <a:effectLst/>
+              </a:rPr>
+              <a:t>=</a:t>
+            </a:r>
+            <a:r>
+              <a:rPr lang="en-US" sz="2000" dirty="0">
+                <a:effectLst/>
+              </a:rPr>
+              <a:t>5e-4)</a:t>
+            </a:r>
+          </a:p>
+          <a:p>
+            <a:pPr marL="742950" lvl="1" indent="-285750">
+              <a:buFont typeface="Arial" panose="020B0604020202020204" pitchFamily="34" charset="0"/>
+              <a:buChar char="•"/>
+            </a:pPr>
+            <a:r>
+              <a:rPr lang="en-US" sz="2000" dirty="0"/>
+              <a:t>C</a:t>
+            </a:r>
+            <a:r>
+              <a:rPr lang="en-US" sz="2000" dirty="0">
+                <a:effectLst/>
+              </a:rPr>
+              <a:t>riterion</a:t>
+            </a:r>
+            <a:r>
+              <a:rPr lang="en-US" sz="2000" dirty="0"/>
+              <a:t> </a:t>
+            </a:r>
+            <a:r>
+              <a:rPr lang="en-US" sz="2000" b="1" dirty="0">
+                <a:effectLst/>
+              </a:rPr>
+              <a:t>=</a:t>
+            </a:r>
+            <a:r>
+              <a:rPr lang="en-US" sz="2000" dirty="0"/>
+              <a:t> </a:t>
+            </a:r>
+            <a:r>
+              <a:rPr lang="en-US" sz="2000" dirty="0" err="1">
+                <a:effectLst/>
+              </a:rPr>
+              <a:t>nn</a:t>
+            </a:r>
+            <a:r>
+              <a:rPr lang="en-US" sz="2000" b="1" dirty="0" err="1">
+                <a:effectLst/>
+              </a:rPr>
+              <a:t>.</a:t>
+            </a:r>
+            <a:r>
+              <a:rPr lang="en-US" sz="2000" dirty="0" err="1">
+                <a:effectLst/>
+              </a:rPr>
+              <a:t>CrossEntropyLoss</a:t>
+            </a:r>
+            <a:r>
+              <a:rPr lang="en-US" sz="2000" dirty="0">
+                <a:effectLst/>
+              </a:rPr>
+              <a:t>()</a:t>
+            </a:r>
+          </a:p>
+          <a:p>
+            <a:pPr marL="742950" lvl="1" indent="-285750">
+              <a:buFont typeface="Arial" panose="020B0604020202020204" pitchFamily="34" charset="0"/>
+              <a:buChar char="•"/>
+            </a:pPr>
+            <a:r>
+              <a:rPr lang="en-US" sz="2000" dirty="0"/>
+              <a:t>Batch size = </a:t>
+            </a:r>
+            <a:r>
+              <a:rPr lang="en-US" altLang="zh-TW" sz="2000" dirty="0"/>
+              <a:t>4</a:t>
+            </a:r>
+            <a:endParaRPr lang="en-US" sz="2000" dirty="0"/>
+          </a:p>
+        </p:txBody>
+      </p:sp>
+    </p:spTree>
+    <p:extLst>
+      <p:ext uri="{BB962C8B-B14F-4D97-AF65-F5344CB8AC3E}">
+        <p14:creationId xmlns:p14="http://schemas.microsoft.com/office/powerpoint/2010/main" val="3369677242"/>
+      </p:ext>
+    </p:extLst>
+  </p:cSld>
+  <p:clrMapOvr>
+    <a:masterClrMapping/>
+  </p:clrMapOvr>
+  <mc:AlternateContent xmlns:mc="http://schemas.openxmlformats.org/markup-compatibility/2006" xmlns:p159="http://schemas.microsoft.com/office/powerpoint/2015/09/main">
+    <mc:Choice Requires="p159">
+      <p:transition xmlns:p14="http://schemas.microsoft.com/office/powerpoint/2010/main" spd="slow" p14:dur="2000">
+        <p159:morph option="byObject"/>
+      </p:transition>
+    </mc:Choice>
+    <mc:Fallback xmlns="">
+      <p:transition spd="slow">
+        <p:fade/>
+      </p:transition>
+    </mc:Fallback>
+  </mc:AlternateContent>
+</p:sld>
+</file>
+
+<file path=ppt/slides/slide26.xml><?xml version="1.0" encoding="utf-8"?>
+<p:sld xmlns:a="http://schemas.openxmlformats.org/drawingml/2006/main" xmlns:r="http://schemas.openxmlformats.org/officeDocument/2006/relationships" xmlns:p="http://schemas.openxmlformats.org/presentationml/2006/main">
+  <p:cSld>
+    <p:spTree>
+      <p:nvGrpSpPr>
+        <p:cNvPr id="1" name=""/>
+        <p:cNvGrpSpPr/>
+        <p:nvPr/>
+      </p:nvGrpSpPr>
+      <p:grpSpPr>
+        <a:xfrm>
+          <a:off x="0" y="0"/>
+          <a:ext cx="0" cy="0"/>
+          <a:chOff x="0" y="0"/>
+          <a:chExt cx="0" cy="0"/>
+        </a:xfrm>
+      </p:grpSpPr>
+      <p:sp>
+        <p:nvSpPr>
+          <p:cNvPr id="2" name="Title 1">
+            <a:extLst>
+              <a:ext uri="{FF2B5EF4-FFF2-40B4-BE49-F238E27FC236}">
+                <a16:creationId xmlns:a16="http://schemas.microsoft.com/office/drawing/2014/main" id="{2D1F1D5D-BC21-FE6C-199A-114DD8A93B70}"/>
+              </a:ext>
+            </a:extLst>
+          </p:cNvPr>
+          <p:cNvSpPr>
+            <a:spLocks noGrp="1"/>
+          </p:cNvSpPr>
+          <p:nvPr>
+            <p:ph type="ctrTitle"/>
+          </p:nvPr>
+        </p:nvSpPr>
+        <p:spPr>
+          <a:xfrm>
+            <a:off x="1056289" y="1492465"/>
+            <a:ext cx="10079421" cy="2387600"/>
+          </a:xfrm>
+        </p:spPr>
+        <p:txBody>
+          <a:bodyPr>
+            <a:normAutofit/>
+          </a:bodyPr>
+          <a:lstStyle/>
+          <a:p>
+            <a:pPr>
+              <a:lnSpc>
+                <a:spcPct val="110000"/>
+              </a:lnSpc>
+            </a:pPr>
+            <a:r>
+              <a:rPr lang="en-TW" sz="4800" b="1" dirty="0"/>
+              <a:t>Graph Convolutional Network - GCN</a:t>
+            </a:r>
+          </a:p>
+        </p:txBody>
+      </p:sp>
+      <p:sp>
+        <p:nvSpPr>
+          <p:cNvPr id="4" name="Slide Number Placeholder 3">
+            <a:extLst>
+              <a:ext uri="{FF2B5EF4-FFF2-40B4-BE49-F238E27FC236}">
+                <a16:creationId xmlns:a16="http://schemas.microsoft.com/office/drawing/2014/main" id="{2BC4D631-FD05-0882-9331-7401BF92027E}"/>
+              </a:ext>
+            </a:extLst>
+          </p:cNvPr>
+          <p:cNvSpPr>
+            <a:spLocks noGrp="1"/>
+          </p:cNvSpPr>
+          <p:nvPr>
+            <p:ph type="sldNum" sz="quarter" idx="12"/>
+          </p:nvPr>
+        </p:nvSpPr>
+        <p:spPr/>
+        <p:txBody>
+          <a:bodyPr/>
+          <a:lstStyle/>
+          <a:p>
+            <a:fld id="{DB156E10-B3DB-CB42-894C-E44038C8B0C4}" type="slidenum">
+              <a:rPr lang="en-TW" smtClean="0"/>
+              <a:t>26</a:t>
+            </a:fld>
+            <a:endParaRPr lang="en-TW"/>
+          </a:p>
+        </p:txBody>
+      </p:sp>
+    </p:spTree>
+    <p:extLst>
+      <p:ext uri="{BB962C8B-B14F-4D97-AF65-F5344CB8AC3E}">
+        <p14:creationId xmlns:p14="http://schemas.microsoft.com/office/powerpoint/2010/main" val="1678796027"/>
+      </p:ext>
+    </p:extLst>
+  </p:cSld>
+  <p:clrMapOvr>
+    <a:masterClrMapping/>
+  </p:clrMapOvr>
+  <mc:AlternateContent xmlns:mc="http://schemas.openxmlformats.org/markup-compatibility/2006" xmlns:p159="http://schemas.microsoft.com/office/powerpoint/2015/09/main">
+    <mc:Choice Requires="p159">
+      <p:transition xmlns:p14="http://schemas.microsoft.com/office/powerpoint/2010/main" spd="slow" p14:dur="2000">
+        <p159:morph option="byObject"/>
+      </p:transition>
+    </mc:Choice>
+    <mc:Fallback xmlns="">
+      <p:transition spd="slow">
+        <p:fade/>
+      </p:transition>
+    </mc:Fallback>
+  </mc:AlternateContent>
+</p:sld>
+</file>
+
+<file path=ppt/slides/slide27.xml><?xml version="1.0" encoding="utf-8"?>
+<p:sld xmlns:a="http://schemas.openxmlformats.org/drawingml/2006/main" xmlns:r="http://schemas.openxmlformats.org/officeDocument/2006/relationships" xmlns:p="http://schemas.openxmlformats.org/presentationml/2006/main">
+  <p:cSld>
+    <p:spTree>
+      <p:nvGrpSpPr>
+        <p:cNvPr id="1" name=""/>
+        <p:cNvGrpSpPr/>
+        <p:nvPr/>
+      </p:nvGrpSpPr>
+      <p:grpSpPr>
+        <a:xfrm>
+          <a:off x="0" y="0"/>
+          <a:ext cx="0" cy="0"/>
+          <a:chOff x="0" y="0"/>
+          <a:chExt cx="0" cy="0"/>
+        </a:xfrm>
+      </p:grpSpPr>
+      <p:sp>
+        <p:nvSpPr>
+          <p:cNvPr id="2" name="Title 1">
+            <a:extLst>
+              <a:ext uri="{FF2B5EF4-FFF2-40B4-BE49-F238E27FC236}">
+                <a16:creationId xmlns:a16="http://schemas.microsoft.com/office/drawing/2014/main" id="{2B533BED-E48C-5E7F-2273-C55CCE98516B}"/>
+              </a:ext>
+            </a:extLst>
+          </p:cNvPr>
+          <p:cNvSpPr>
+            <a:spLocks noGrp="1"/>
+          </p:cNvSpPr>
+          <p:nvPr>
+            <p:ph type="title"/>
+          </p:nvPr>
+        </p:nvSpPr>
+        <p:spPr>
+          <a:xfrm>
             <a:off x="363668" y="89416"/>
             <a:ext cx="10515600" cy="1325563"/>
           </a:xfrm>
@@ -9810,7 +10693,7 @@
           <a:p>
             <a:fld id="{DB156E10-B3DB-CB42-894C-E44038C8B0C4}" type="slidenum">
               <a:rPr lang="en-TW" smtClean="0"/>
-              <a:t>24</a:t>
+              <a:t>27</a:t>
             </a:fld>
             <a:endParaRPr lang="en-TW"/>
           </a:p>
@@ -10331,7 +11214,7 @@
 </p:sld>
 </file>
 
-<file path=ppt/slides/slide25.xml><?xml version="1.0" encoding="utf-8"?>
+<file path=ppt/slides/slide28.xml><?xml version="1.0" encoding="utf-8"?>
 <p:sld xmlns:a="http://schemas.openxmlformats.org/drawingml/2006/main" xmlns:r="http://schemas.openxmlformats.org/officeDocument/2006/relationships" xmlns:p="http://schemas.openxmlformats.org/presentationml/2006/main">
   <p:cSld>
     <p:spTree>
@@ -10371,7 +11254,7 @@
           <a:p>
             <a:fld id="{DB156E10-B3DB-CB42-894C-E44038C8B0C4}" type="slidenum">
               <a:rPr lang="en-TW" smtClean="0"/>
-              <a:t>25</a:t>
+              <a:t>28</a:t>
             </a:fld>
             <a:endParaRPr lang="en-TW"/>
           </a:p>
